--- a/Art Gallery Management system/Art Gallery Management System ppt.pptx
+++ b/Art Gallery Management system/Art Gallery Management System ppt.pptx
@@ -130,6 +130,11 @@
       </a:defRPr>
     </a:lvl9pPr>
   </p:defaultTextStyle>
+  <p:extLst>
+    <p:ext uri="{EFAFB233-063F-42B5-8137-9DF3F51BA10A}">
+      <p15:sldGuideLst xmlns:p15="http://schemas.microsoft.com/office/powerpoint/2012/main"/>
+    </p:ext>
+  </p:extLst>
 </p:presentation>
 </file>
 
@@ -177,7 +182,7 @@
           </a:lstStyle>
           <a:p>
             <a:r>
-              <a:rPr lang="en-US" smtClean="0"/>
+              <a:rPr lang="en-US"/>
               <a:t>Click to edit Master title style</a:t>
             </a:r>
             <a:endParaRPr lang="en-US" dirty="0"/>
@@ -248,7 +253,7 @@
           </a:lstStyle>
           <a:p>
             <a:r>
-              <a:rPr lang="en-US" smtClean="0"/>
+              <a:rPr lang="en-US"/>
               <a:t>Click to edit Master subtitle style</a:t>
             </a:r>
             <a:endParaRPr lang="en-US" dirty="0"/>
@@ -402,7 +407,7 @@
           <a:lstStyle/>
           <a:p>
             <a:r>
-              <a:rPr lang="en-US" smtClean="0"/>
+              <a:rPr lang="en-US"/>
               <a:t>Click to edit Master title style</a:t>
             </a:r>
             <a:endParaRPr lang="en-US" dirty="0"/>
@@ -426,35 +431,35 @@
           <a:p>
             <a:pPr lvl="0"/>
             <a:r>
-              <a:rPr lang="en-US" smtClean="0"/>
+              <a:rPr lang="en-US"/>
               <a:t>Edit Master text styles</a:t>
             </a:r>
           </a:p>
           <a:p>
             <a:pPr lvl="1"/>
             <a:r>
-              <a:rPr lang="en-US" smtClean="0"/>
+              <a:rPr lang="en-US"/>
               <a:t>Second level</a:t>
             </a:r>
           </a:p>
           <a:p>
             <a:pPr lvl="2"/>
             <a:r>
-              <a:rPr lang="en-US" smtClean="0"/>
+              <a:rPr lang="en-US"/>
               <a:t>Third level</a:t>
             </a:r>
           </a:p>
           <a:p>
             <a:pPr lvl="3"/>
             <a:r>
-              <a:rPr lang="en-US" smtClean="0"/>
+              <a:rPr lang="en-US"/>
               <a:t>Fourth level</a:t>
             </a:r>
           </a:p>
           <a:p>
             <a:pPr lvl="4"/>
             <a:r>
-              <a:rPr lang="en-US" smtClean="0"/>
+              <a:rPr lang="en-US"/>
               <a:t>Fifth level</a:t>
             </a:r>
             <a:endParaRPr lang="en-US" dirty="0"/>
@@ -607,7 +612,7 @@
           </a:lstStyle>
           <a:p>
             <a:r>
-              <a:rPr lang="en-US" smtClean="0"/>
+              <a:rPr lang="en-US"/>
               <a:t>Click to edit Master title style</a:t>
             </a:r>
             <a:endParaRPr lang="en-US" dirty="0"/>
@@ -636,35 +641,35 @@
           <a:p>
             <a:pPr lvl="0"/>
             <a:r>
-              <a:rPr lang="en-US" smtClean="0"/>
+              <a:rPr lang="en-US"/>
               <a:t>Edit Master text styles</a:t>
             </a:r>
           </a:p>
           <a:p>
             <a:pPr lvl="1"/>
             <a:r>
-              <a:rPr lang="en-US" smtClean="0"/>
+              <a:rPr lang="en-US"/>
               <a:t>Second level</a:t>
             </a:r>
           </a:p>
           <a:p>
             <a:pPr lvl="2"/>
             <a:r>
-              <a:rPr lang="en-US" smtClean="0"/>
+              <a:rPr lang="en-US"/>
               <a:t>Third level</a:t>
             </a:r>
           </a:p>
           <a:p>
             <a:pPr lvl="3"/>
             <a:r>
-              <a:rPr lang="en-US" smtClean="0"/>
+              <a:rPr lang="en-US"/>
               <a:t>Fourth level</a:t>
             </a:r>
           </a:p>
           <a:p>
             <a:pPr lvl="4"/>
             <a:r>
-              <a:rPr lang="en-US" smtClean="0"/>
+              <a:rPr lang="en-US"/>
               <a:t>Fifth level</a:t>
             </a:r>
             <a:endParaRPr lang="en-US" dirty="0"/>
@@ -808,7 +813,7 @@
           <a:lstStyle/>
           <a:p>
             <a:r>
-              <a:rPr lang="en-US" smtClean="0"/>
+              <a:rPr lang="en-US"/>
               <a:t>Click to edit Master title style</a:t>
             </a:r>
             <a:endParaRPr lang="en-US" dirty="0"/>
@@ -832,35 +837,35 @@
           <a:p>
             <a:pPr lvl="0"/>
             <a:r>
-              <a:rPr lang="en-US" smtClean="0"/>
+              <a:rPr lang="en-US"/>
               <a:t>Edit Master text styles</a:t>
             </a:r>
           </a:p>
           <a:p>
             <a:pPr lvl="1"/>
             <a:r>
-              <a:rPr lang="en-US" smtClean="0"/>
+              <a:rPr lang="en-US"/>
               <a:t>Second level</a:t>
             </a:r>
           </a:p>
           <a:p>
             <a:pPr lvl="2"/>
             <a:r>
-              <a:rPr lang="en-US" smtClean="0"/>
+              <a:rPr lang="en-US"/>
               <a:t>Third level</a:t>
             </a:r>
           </a:p>
           <a:p>
             <a:pPr lvl="3"/>
             <a:r>
-              <a:rPr lang="en-US" smtClean="0"/>
+              <a:rPr lang="en-US"/>
               <a:t>Fourth level</a:t>
             </a:r>
           </a:p>
           <a:p>
             <a:pPr lvl="4"/>
             <a:r>
-              <a:rPr lang="en-US" smtClean="0"/>
+              <a:rPr lang="en-US"/>
               <a:t>Fifth level</a:t>
             </a:r>
             <a:endParaRPr lang="en-US" dirty="0"/>
@@ -1015,7 +1020,7 @@
           </a:lstStyle>
           <a:p>
             <a:r>
-              <a:rPr lang="en-US" smtClean="0"/>
+              <a:rPr lang="en-US"/>
               <a:t>Click to edit Master title style</a:t>
             </a:r>
             <a:endParaRPr lang="en-US" dirty="0"/>
@@ -1135,7 +1140,7 @@
           <a:p>
             <a:pPr lvl="0"/>
             <a:r>
-              <a:rPr lang="en-US" smtClean="0"/>
+              <a:rPr lang="en-US"/>
               <a:t>Edit Master text styles</a:t>
             </a:r>
           </a:p>
@@ -1283,7 +1288,7 @@
           <a:lstStyle/>
           <a:p>
             <a:r>
-              <a:rPr lang="en-US" smtClean="0"/>
+              <a:rPr lang="en-US"/>
               <a:t>Click to edit Master title style</a:t>
             </a:r>
             <a:endParaRPr lang="en-US" dirty="0"/>
@@ -1312,35 +1317,35 @@
           <a:p>
             <a:pPr lvl="0"/>
             <a:r>
-              <a:rPr lang="en-US" smtClean="0"/>
+              <a:rPr lang="en-US"/>
               <a:t>Edit Master text styles</a:t>
             </a:r>
           </a:p>
           <a:p>
             <a:pPr lvl="1"/>
             <a:r>
-              <a:rPr lang="en-US" smtClean="0"/>
+              <a:rPr lang="en-US"/>
               <a:t>Second level</a:t>
             </a:r>
           </a:p>
           <a:p>
             <a:pPr lvl="2"/>
             <a:r>
-              <a:rPr lang="en-US" smtClean="0"/>
+              <a:rPr lang="en-US"/>
               <a:t>Third level</a:t>
             </a:r>
           </a:p>
           <a:p>
             <a:pPr lvl="3"/>
             <a:r>
-              <a:rPr lang="en-US" smtClean="0"/>
+              <a:rPr lang="en-US"/>
               <a:t>Fourth level</a:t>
             </a:r>
           </a:p>
           <a:p>
             <a:pPr lvl="4"/>
             <a:r>
-              <a:rPr lang="en-US" smtClean="0"/>
+              <a:rPr lang="en-US"/>
               <a:t>Fifth level</a:t>
             </a:r>
             <a:endParaRPr lang="en-US" dirty="0"/>
@@ -1369,35 +1374,35 @@
           <a:p>
             <a:pPr lvl="0"/>
             <a:r>
-              <a:rPr lang="en-US" smtClean="0"/>
+              <a:rPr lang="en-US"/>
               <a:t>Edit Master text styles</a:t>
             </a:r>
           </a:p>
           <a:p>
             <a:pPr lvl="1"/>
             <a:r>
-              <a:rPr lang="en-US" smtClean="0"/>
+              <a:rPr lang="en-US"/>
               <a:t>Second level</a:t>
             </a:r>
           </a:p>
           <a:p>
             <a:pPr lvl="2"/>
             <a:r>
-              <a:rPr lang="en-US" smtClean="0"/>
+              <a:rPr lang="en-US"/>
               <a:t>Third level</a:t>
             </a:r>
           </a:p>
           <a:p>
             <a:pPr lvl="3"/>
             <a:r>
-              <a:rPr lang="en-US" smtClean="0"/>
+              <a:rPr lang="en-US"/>
               <a:t>Fourth level</a:t>
             </a:r>
           </a:p>
           <a:p>
             <a:pPr lvl="4"/>
             <a:r>
-              <a:rPr lang="en-US" smtClean="0"/>
+              <a:rPr lang="en-US"/>
               <a:t>Fifth level</a:t>
             </a:r>
             <a:endParaRPr lang="en-US" dirty="0"/>
@@ -1546,7 +1551,7 @@
           <a:lstStyle/>
           <a:p>
             <a:r>
-              <a:rPr lang="en-US" smtClean="0"/>
+              <a:rPr lang="en-US"/>
               <a:t>Click to edit Master title style</a:t>
             </a:r>
             <a:endParaRPr lang="en-US" dirty="0"/>
@@ -1621,7 +1626,7 @@
           <a:p>
             <a:pPr lvl="0"/>
             <a:r>
-              <a:rPr lang="en-US" smtClean="0"/>
+              <a:rPr lang="en-US"/>
               <a:t>Edit Master text styles</a:t>
             </a:r>
           </a:p>
@@ -1649,35 +1654,35 @@
           <a:p>
             <a:pPr lvl="0"/>
             <a:r>
-              <a:rPr lang="en-US" smtClean="0"/>
+              <a:rPr lang="en-US"/>
               <a:t>Edit Master text styles</a:t>
             </a:r>
           </a:p>
           <a:p>
             <a:pPr lvl="1"/>
             <a:r>
-              <a:rPr lang="en-US" smtClean="0"/>
+              <a:rPr lang="en-US"/>
               <a:t>Second level</a:t>
             </a:r>
           </a:p>
           <a:p>
             <a:pPr lvl="2"/>
             <a:r>
-              <a:rPr lang="en-US" smtClean="0"/>
+              <a:rPr lang="en-US"/>
               <a:t>Third level</a:t>
             </a:r>
           </a:p>
           <a:p>
             <a:pPr lvl="3"/>
             <a:r>
-              <a:rPr lang="en-US" smtClean="0"/>
+              <a:rPr lang="en-US"/>
               <a:t>Fourth level</a:t>
             </a:r>
           </a:p>
           <a:p>
             <a:pPr lvl="4"/>
             <a:r>
-              <a:rPr lang="en-US" smtClean="0"/>
+              <a:rPr lang="en-US"/>
               <a:t>Fifth level</a:t>
             </a:r>
             <a:endParaRPr lang="en-US" dirty="0"/>
@@ -1752,7 +1757,7 @@
           <a:p>
             <a:pPr lvl="0"/>
             <a:r>
-              <a:rPr lang="en-US" smtClean="0"/>
+              <a:rPr lang="en-US"/>
               <a:t>Edit Master text styles</a:t>
             </a:r>
           </a:p>
@@ -1780,35 +1785,35 @@
           <a:p>
             <a:pPr lvl="0"/>
             <a:r>
-              <a:rPr lang="en-US" smtClean="0"/>
+              <a:rPr lang="en-US"/>
               <a:t>Edit Master text styles</a:t>
             </a:r>
           </a:p>
           <a:p>
             <a:pPr lvl="1"/>
             <a:r>
-              <a:rPr lang="en-US" smtClean="0"/>
+              <a:rPr lang="en-US"/>
               <a:t>Second level</a:t>
             </a:r>
           </a:p>
           <a:p>
             <a:pPr lvl="2"/>
             <a:r>
-              <a:rPr lang="en-US" smtClean="0"/>
+              <a:rPr lang="en-US"/>
               <a:t>Third level</a:t>
             </a:r>
           </a:p>
           <a:p>
             <a:pPr lvl="3"/>
             <a:r>
-              <a:rPr lang="en-US" smtClean="0"/>
+              <a:rPr lang="en-US"/>
               <a:t>Fourth level</a:t>
             </a:r>
           </a:p>
           <a:p>
             <a:pPr lvl="4"/>
             <a:r>
-              <a:rPr lang="en-US" smtClean="0"/>
+              <a:rPr lang="en-US"/>
               <a:t>Fifth level</a:t>
             </a:r>
             <a:endParaRPr lang="en-US" dirty="0"/>
@@ -1952,7 +1957,7 @@
           <a:lstStyle/>
           <a:p>
             <a:r>
-              <a:rPr lang="en-US" smtClean="0"/>
+              <a:rPr lang="en-US"/>
               <a:t>Click to edit Master title style</a:t>
             </a:r>
             <a:endParaRPr lang="en-US" dirty="0"/>
@@ -2197,7 +2202,7 @@
           </a:lstStyle>
           <a:p>
             <a:r>
-              <a:rPr lang="en-US" smtClean="0"/>
+              <a:rPr lang="en-US"/>
               <a:t>Click to edit Master title style</a:t>
             </a:r>
             <a:endParaRPr lang="en-US" dirty="0"/>
@@ -2226,35 +2231,35 @@
           <a:p>
             <a:pPr lvl="0"/>
             <a:r>
-              <a:rPr lang="en-US" smtClean="0"/>
+              <a:rPr lang="en-US"/>
               <a:t>Edit Master text styles</a:t>
             </a:r>
           </a:p>
           <a:p>
             <a:pPr lvl="1"/>
             <a:r>
-              <a:rPr lang="en-US" smtClean="0"/>
+              <a:rPr lang="en-US"/>
               <a:t>Second level</a:t>
             </a:r>
           </a:p>
           <a:p>
             <a:pPr lvl="2"/>
             <a:r>
-              <a:rPr lang="en-US" smtClean="0"/>
+              <a:rPr lang="en-US"/>
               <a:t>Third level</a:t>
             </a:r>
           </a:p>
           <a:p>
             <a:pPr lvl="3"/>
             <a:r>
-              <a:rPr lang="en-US" smtClean="0"/>
+              <a:rPr lang="en-US"/>
               <a:t>Fourth level</a:t>
             </a:r>
           </a:p>
           <a:p>
             <a:pPr lvl="4"/>
             <a:r>
-              <a:rPr lang="en-US" smtClean="0"/>
+              <a:rPr lang="en-US"/>
               <a:t>Fifth level</a:t>
             </a:r>
             <a:endParaRPr lang="en-US" dirty="0"/>
@@ -2320,7 +2325,7 @@
           <a:p>
             <a:pPr lvl="0"/>
             <a:r>
-              <a:rPr lang="en-US" smtClean="0"/>
+              <a:rPr lang="en-US"/>
               <a:t>Edit Master text styles</a:t>
             </a:r>
           </a:p>
@@ -2608,7 +2613,7 @@
           </a:lstStyle>
           <a:p>
             <a:r>
-              <a:rPr lang="en-US" smtClean="0"/>
+              <a:rPr lang="en-US"/>
               <a:t>Click to edit Master title style</a:t>
             </a:r>
             <a:endParaRPr lang="en-US" dirty="0"/>
@@ -2683,7 +2688,7 @@
           </a:lstStyle>
           <a:p>
             <a:r>
-              <a:rPr lang="en-US" smtClean="0"/>
+              <a:rPr lang="en-US"/>
               <a:t>Click icon to add picture</a:t>
             </a:r>
             <a:endParaRPr lang="en-US" dirty="0"/>
@@ -2751,7 +2756,7 @@
           <a:p>
             <a:pPr lvl="0"/>
             <a:r>
-              <a:rPr lang="en-US" smtClean="0"/>
+              <a:rPr lang="en-US"/>
               <a:t>Edit Master text styles</a:t>
             </a:r>
           </a:p>
@@ -3002,7 +3007,7 @@
           <a:lstStyle/>
           <a:p>
             <a:r>
-              <a:rPr lang="en-US" smtClean="0"/>
+              <a:rPr lang="en-US"/>
               <a:t>Click to edit Master title style</a:t>
             </a:r>
             <a:endParaRPr lang="en-US" dirty="0"/>
@@ -3661,14 +3666,6 @@
               </a:rPr>
               <a:t>margam</a:t>
             </a:r>
-            <a:r>
-              <a:rPr lang="en-US" dirty="0">
-                <a:solidFill>
-                  <a:srgbClr val="FC05CB"/>
-                </a:solidFill>
-              </a:rPr>
-              <a:t/>
-            </a:r>
             <a:br>
               <a:rPr lang="en-US" dirty="0">
                 <a:solidFill>
@@ -3770,7 +3767,7 @@
           <a:lstStyle/>
           <a:p>
             <a:r>
-              <a:rPr lang="en-US" dirty="0" smtClean="0"/>
+              <a:rPr lang="en-US" dirty="0"/>
               <a:t>code</a:t>
             </a:r>
             <a:endParaRPr lang="en-IN" dirty="0"/>
@@ -3811,11 +3808,10 @@
               <a:rPr lang="en-IN" dirty="0"/>
               <a:t> &gt;&gt; size;   </a:t>
             </a:r>
-            <a:endParaRPr lang="en-IN" dirty="0" smtClean="0"/>
-          </a:p>
-          <a:p>
-            <a:r>
-              <a:rPr lang="en-IN" dirty="0" smtClean="0"/>
+          </a:p>
+          <a:p>
+            <a:r>
+              <a:rPr lang="en-IN" dirty="0"/>
               <a:t> </a:t>
             </a:r>
             <a:r>
@@ -3826,106 +3822,80 @@
               <a:rPr lang="en-IN" dirty="0"/>
               <a:t> Node {        </a:t>
             </a:r>
-            <a:endParaRPr lang="en-IN" dirty="0" smtClean="0"/>
-          </a:p>
-          <a:p>
-            <a:r>
-              <a:rPr lang="en-IN" dirty="0" err="1" smtClean="0"/>
+          </a:p>
+          <a:p>
+            <a:r>
+              <a:rPr lang="en-IN" dirty="0" err="1"/>
               <a:t>int</a:t>
             </a:r>
             <a:r>
-              <a:rPr lang="en-IN" dirty="0" smtClean="0"/>
+              <a:rPr lang="en-IN" dirty="0"/>
+              <a:t> data;        </a:t>
+            </a:r>
+          </a:p>
+          <a:p>
+            <a:r>
+              <a:rPr lang="en-IN" dirty="0"/>
+              <a:t>Node* next;    };    </a:t>
+            </a:r>
+          </a:p>
+          <a:p>
+            <a:r>
+              <a:rPr lang="en-IN" dirty="0"/>
+              <a:t>Node* head = </a:t>
+            </a:r>
+            <a:r>
+              <a:rPr lang="en-IN" dirty="0" err="1"/>
+              <a:t>nullptr</a:t>
+            </a:r>
+            <a:r>
+              <a:rPr lang="en-IN" dirty="0"/>
+              <a:t>;    </a:t>
+            </a:r>
+          </a:p>
+          <a:p>
+            <a:r>
+              <a:rPr lang="en-IN" dirty="0"/>
+              <a:t>Node* temp = </a:t>
+            </a:r>
+            <a:r>
+              <a:rPr lang="en-IN" dirty="0" err="1"/>
+              <a:t>nullptr</a:t>
+            </a:r>
+            <a:r>
+              <a:rPr lang="en-IN" dirty="0"/>
+              <a:t>;   </a:t>
+            </a:r>
+          </a:p>
+          <a:p>
+            <a:r>
+              <a:rPr lang="en-IN" dirty="0"/>
               <a:t> </a:t>
             </a:r>
             <a:r>
-              <a:rPr lang="en-IN" dirty="0"/>
-              <a:t>data;        </a:t>
-            </a:r>
-            <a:endParaRPr lang="en-IN" dirty="0" smtClean="0"/>
-          </a:p>
-          <a:p>
-            <a:r>
-              <a:rPr lang="en-IN" dirty="0" smtClean="0"/>
-              <a:t>Node</a:t>
-            </a:r>
-            <a:r>
-              <a:rPr lang="en-IN" dirty="0"/>
-              <a:t>* next;    };    </a:t>
-            </a:r>
-            <a:endParaRPr lang="en-IN" dirty="0" smtClean="0"/>
-          </a:p>
-          <a:p>
-            <a:r>
-              <a:rPr lang="en-IN" dirty="0" smtClean="0"/>
-              <a:t>Node</a:t>
-            </a:r>
-            <a:r>
-              <a:rPr lang="en-IN" dirty="0"/>
-              <a:t>* head = </a:t>
-            </a:r>
-            <a:r>
-              <a:rPr lang="en-IN" dirty="0" err="1"/>
-              <a:t>nullptr</a:t>
-            </a:r>
-            <a:r>
-              <a:rPr lang="en-IN" dirty="0"/>
-              <a:t>;    </a:t>
-            </a:r>
-            <a:endParaRPr lang="en-IN" dirty="0" smtClean="0"/>
-          </a:p>
-          <a:p>
-            <a:r>
-              <a:rPr lang="en-IN" dirty="0" smtClean="0"/>
-              <a:t>Node</a:t>
-            </a:r>
-            <a:r>
-              <a:rPr lang="en-IN" dirty="0"/>
-              <a:t>* temp = </a:t>
-            </a:r>
-            <a:r>
-              <a:rPr lang="en-IN" dirty="0" err="1"/>
-              <a:t>nullptr</a:t>
-            </a:r>
-            <a:r>
-              <a:rPr lang="en-IN" dirty="0"/>
-              <a:t>;   </a:t>
-            </a:r>
-            <a:endParaRPr lang="en-IN" dirty="0" smtClean="0"/>
-          </a:p>
-          <a:p>
-            <a:r>
-              <a:rPr lang="en-IN" dirty="0" smtClean="0"/>
+              <a:rPr lang="en-IN" dirty="0" err="1"/>
+              <a:t>cout</a:t>
+            </a:r>
+            <a:r>
+              <a:rPr lang="en-IN" dirty="0"/>
+              <a:t> &lt;&lt; "Enter " &lt;&lt; size &lt;&lt; " integers for the linked list:\n";    </a:t>
+            </a:r>
+          </a:p>
+          <a:p>
+            <a:r>
+              <a:rPr lang="en-IN" dirty="0"/>
+              <a:t>for (</a:t>
+            </a:r>
+            <a:r>
+              <a:rPr lang="en-IN" dirty="0" err="1"/>
+              <a:t>int</a:t>
+            </a:r>
+            <a:r>
+              <a:rPr lang="en-IN" dirty="0"/>
               <a:t> </a:t>
             </a:r>
             <a:r>
               <a:rPr lang="en-IN" dirty="0" err="1"/>
-              <a:t>cout</a:t>
-            </a:r>
-            <a:r>
-              <a:rPr lang="en-IN" dirty="0"/>
-              <a:t> &lt;&lt; "Enter " &lt;&lt; size &lt;&lt; " integers for the linked list:\n";    </a:t>
-            </a:r>
-            <a:endParaRPr lang="en-IN" dirty="0" smtClean="0"/>
-          </a:p>
-          <a:p>
-            <a:r>
-              <a:rPr lang="en-IN" dirty="0" smtClean="0"/>
-              <a:t>for </a:t>
-            </a:r>
-            <a:r>
-              <a:rPr lang="en-IN" dirty="0"/>
-              <a:t>(</a:t>
-            </a:r>
-            <a:r>
-              <a:rPr lang="en-IN" dirty="0" err="1"/>
-              <a:t>int</a:t>
-            </a:r>
-            <a:r>
-              <a:rPr lang="en-IN" dirty="0"/>
-              <a:t> </a:t>
-            </a:r>
-            <a:r>
-              <a:rPr lang="en-IN" dirty="0" err="1"/>
               <a:t>i</a:t>
             </a:r>
             <a:r>
@@ -3948,26 +3918,21 @@
               <a:rPr lang="en-IN" dirty="0"/>
               <a:t>) </a:t>
             </a:r>
-            <a:endParaRPr lang="en-IN" dirty="0" smtClean="0"/>
-          </a:p>
-          <a:p>
-            <a:r>
-              <a:rPr lang="en-IN" dirty="0" smtClean="0"/>
+          </a:p>
+          <a:p>
+            <a:r>
+              <a:rPr lang="en-IN" dirty="0"/>
               <a:t>{        </a:t>
             </a:r>
           </a:p>
           <a:p>
             <a:r>
-              <a:rPr lang="en-IN" dirty="0" err="1" smtClean="0"/>
+              <a:rPr lang="en-IN" dirty="0" err="1"/>
               <a:t>cin</a:t>
             </a:r>
             <a:r>
-              <a:rPr lang="en-IN" dirty="0" smtClean="0"/>
-              <a:t> </a:t>
-            </a:r>
-            <a:r>
-              <a:rPr lang="en-IN" dirty="0"/>
-              <a:t>&gt;&gt; </a:t>
+              <a:rPr lang="en-IN" dirty="0"/>
+              <a:t> &gt;&gt; </a:t>
             </a:r>
             <a:r>
               <a:rPr lang="en-IN" dirty="0" err="1"/>
@@ -3977,7 +3942,6 @@
               <a:rPr lang="en-IN" dirty="0"/>
               <a:t>;       </a:t>
             </a:r>
-            <a:endParaRPr lang="en-IN" dirty="0"/>
           </a:p>
         </p:txBody>
       </p:sp>
@@ -4027,7 +3991,7 @@
           <a:lstStyle/>
           <a:p>
             <a:r>
-              <a:rPr lang="en-US" dirty="0" smtClean="0"/>
+              <a:rPr lang="en-US" dirty="0"/>
               <a:t>code</a:t>
             </a:r>
             <a:endParaRPr lang="en-IN" dirty="0"/>
@@ -4063,20 +4027,15 @@
               <a:rPr lang="en-IN" dirty="0"/>
               <a:t> = new Node;        </a:t>
             </a:r>
-            <a:endParaRPr lang="en-IN" dirty="0" smtClean="0"/>
-          </a:p>
-          <a:p>
-            <a:r>
-              <a:rPr lang="en-IN" dirty="0" err="1" smtClean="0"/>
+          </a:p>
+          <a:p>
+            <a:r>
+              <a:rPr lang="en-IN" dirty="0" err="1"/>
               <a:t>newNode</a:t>
             </a:r>
             <a:r>
-              <a:rPr lang="en-IN" dirty="0" smtClean="0"/>
-              <a:t>-</a:t>
-            </a:r>
-            <a:r>
-              <a:rPr lang="en-IN" dirty="0"/>
-              <a:t>&gt;data = </a:t>
+              <a:rPr lang="en-IN" dirty="0"/>
+              <a:t>-&gt;data = </a:t>
             </a:r>
             <a:r>
               <a:rPr lang="en-IN" dirty="0" err="1"/>
@@ -4086,20 +4045,15 @@
               <a:rPr lang="en-IN" dirty="0"/>
               <a:t>;        </a:t>
             </a:r>
-            <a:endParaRPr lang="en-IN" dirty="0" smtClean="0"/>
-          </a:p>
-          <a:p>
-            <a:r>
-              <a:rPr lang="en-IN" dirty="0" err="1" smtClean="0"/>
+          </a:p>
+          <a:p>
+            <a:r>
+              <a:rPr lang="en-IN" dirty="0" err="1"/>
               <a:t>newNode</a:t>
             </a:r>
             <a:r>
-              <a:rPr lang="en-IN" dirty="0" smtClean="0"/>
-              <a:t>-</a:t>
-            </a:r>
-            <a:r>
-              <a:rPr lang="en-IN" dirty="0"/>
-              <a:t>&gt;next = </a:t>
+              <a:rPr lang="en-IN" dirty="0"/>
+              <a:t>-&gt;next = </a:t>
             </a:r>
             <a:r>
               <a:rPr lang="en-IN" dirty="0" err="1"/>
@@ -4109,27 +4063,17 @@
               <a:rPr lang="en-IN" dirty="0"/>
               <a:t>;        </a:t>
             </a:r>
-            <a:endParaRPr lang="en-IN" dirty="0" smtClean="0"/>
-          </a:p>
-          <a:p>
-            <a:r>
-              <a:rPr lang="en-IN" dirty="0" smtClean="0"/>
-              <a:t>if </a:t>
-            </a:r>
-            <a:r>
-              <a:rPr lang="en-IN" dirty="0"/>
-              <a:t>(!head) {            </a:t>
-            </a:r>
-            <a:endParaRPr lang="en-IN" dirty="0" smtClean="0"/>
-          </a:p>
-          <a:p>
-            <a:r>
-              <a:rPr lang="en-IN" dirty="0" smtClean="0"/>
-              <a:t>head </a:t>
-            </a:r>
-            <a:r>
-              <a:rPr lang="en-IN" dirty="0"/>
-              <a:t>= </a:t>
+          </a:p>
+          <a:p>
+            <a:r>
+              <a:rPr lang="en-IN" dirty="0"/>
+              <a:t>if (!head) {            </a:t>
+            </a:r>
+          </a:p>
+          <a:p>
+            <a:r>
+              <a:rPr lang="en-IN" dirty="0"/>
+              <a:t>head = </a:t>
             </a:r>
             <a:r>
               <a:rPr lang="en-IN" dirty="0" err="1"/>
@@ -4139,16 +4083,11 @@
               <a:rPr lang="en-IN" dirty="0"/>
               <a:t>;            </a:t>
             </a:r>
-            <a:endParaRPr lang="en-IN" dirty="0" smtClean="0"/>
-          </a:p>
-          <a:p>
-            <a:r>
-              <a:rPr lang="en-IN" dirty="0" smtClean="0"/>
-              <a:t>temp </a:t>
-            </a:r>
-            <a:r>
-              <a:rPr lang="en-IN" dirty="0"/>
-              <a:t>= </a:t>
+          </a:p>
+          <a:p>
+            <a:r>
+              <a:rPr lang="en-IN" dirty="0"/>
+              <a:t>temp = </a:t>
             </a:r>
             <a:r>
               <a:rPr lang="en-IN" dirty="0" err="1"/>
@@ -4158,33 +4097,23 @@
               <a:rPr lang="en-IN" dirty="0"/>
               <a:t>;        </a:t>
             </a:r>
-            <a:endParaRPr lang="en-IN" dirty="0" smtClean="0"/>
-          </a:p>
-          <a:p>
-            <a:r>
-              <a:rPr lang="en-IN" dirty="0" smtClean="0"/>
-              <a:t>} </a:t>
-            </a:r>
-            <a:r>
-              <a:rPr lang="en-IN" dirty="0"/>
-              <a:t>else </a:t>
-            </a:r>
-            <a:endParaRPr lang="en-IN" dirty="0" smtClean="0"/>
-          </a:p>
-          <a:p>
-            <a:r>
-              <a:rPr lang="en-IN" dirty="0" smtClean="0"/>
+          </a:p>
+          <a:p>
+            <a:r>
+              <a:rPr lang="en-IN" dirty="0"/>
+              <a:t>} else </a:t>
+            </a:r>
+          </a:p>
+          <a:p>
+            <a:r>
+              <a:rPr lang="en-IN" dirty="0"/>
               <a:t>{</a:t>
             </a:r>
           </a:p>
           <a:p>
             <a:r>
-              <a:rPr lang="en-IN" dirty="0" smtClean="0"/>
-              <a:t>temp-</a:t>
-            </a:r>
-            <a:r>
-              <a:rPr lang="en-IN" dirty="0"/>
-              <a:t>&gt;next = </a:t>
+              <a:rPr lang="en-IN" dirty="0"/>
+              <a:t>temp-&gt;next = </a:t>
             </a:r>
             <a:r>
               <a:rPr lang="en-IN" dirty="0" err="1"/>
@@ -4194,7 +4123,6 @@
               <a:rPr lang="en-IN" dirty="0"/>
               <a:t>;            </a:t>
             </a:r>
-            <a:endParaRPr lang="en-IN" dirty="0" smtClean="0"/>
           </a:p>
         </p:txBody>
       </p:sp>
@@ -4244,7 +4172,7 @@
           <a:lstStyle/>
           <a:p>
             <a:r>
-              <a:rPr lang="en-US" dirty="0" smtClean="0"/>
+              <a:rPr lang="en-US" dirty="0"/>
               <a:t>code</a:t>
             </a:r>
             <a:endParaRPr lang="en-IN" dirty="0"/>
@@ -4272,17 +4200,16 @@
               <a:rPr lang="en-IN" dirty="0"/>
               <a:t>temp = temp-&gt;next;        </a:t>
             </a:r>
-            <a:endParaRPr lang="en-IN" dirty="0" smtClean="0"/>
-          </a:p>
-          <a:p>
-            <a:r>
-              <a:rPr lang="en-IN" dirty="0" smtClean="0"/>
+          </a:p>
+          <a:p>
+            <a:r>
+              <a:rPr lang="en-IN" dirty="0"/>
               <a:t>}</a:t>
             </a:r>
           </a:p>
           <a:p>
             <a:r>
-              <a:rPr lang="en-IN" dirty="0" smtClean="0"/>
+              <a:rPr lang="en-IN" dirty="0"/>
               <a:t>}</a:t>
             </a:r>
           </a:p>
@@ -4291,44 +4218,30 @@
               <a:buNone/>
             </a:pPr>
             <a:r>
-              <a:rPr lang="en-IN" dirty="0" err="1" smtClean="0"/>
+              <a:rPr lang="en-IN" dirty="0" err="1"/>
               <a:t>cout</a:t>
             </a:r>
             <a:r>
-              <a:rPr lang="en-IN" dirty="0" smtClean="0"/>
-              <a:t> </a:t>
-            </a:r>
-            <a:r>
-              <a:rPr lang="en-IN" dirty="0"/>
-              <a:t>&lt;&lt; "Linked list contents: ";    </a:t>
-            </a:r>
-            <a:endParaRPr lang="en-IN" dirty="0" smtClean="0"/>
-          </a:p>
-          <a:p>
-            <a:pPr marL="0" indent="0">
-              <a:buNone/>
-            </a:pPr>
-            <a:r>
-              <a:rPr lang="en-IN" dirty="0" smtClean="0"/>
-              <a:t>temp </a:t>
-            </a:r>
-            <a:r>
-              <a:rPr lang="en-IN" dirty="0"/>
-              <a:t>= head;    </a:t>
-            </a:r>
-            <a:endParaRPr lang="en-IN" dirty="0" smtClean="0"/>
-          </a:p>
-          <a:p>
-            <a:pPr marL="0" indent="0">
-              <a:buNone/>
-            </a:pPr>
-            <a:r>
-              <a:rPr lang="en-IN" dirty="0" smtClean="0"/>
-              <a:t>while </a:t>
-            </a:r>
-            <a:r>
-              <a:rPr lang="en-IN" dirty="0"/>
-              <a:t>(temp != </a:t>
+              <a:rPr lang="en-IN" dirty="0"/>
+              <a:t> &lt;&lt; "Linked list contents: ";    </a:t>
+            </a:r>
+          </a:p>
+          <a:p>
+            <a:pPr marL="0" indent="0">
+              <a:buNone/>
+            </a:pPr>
+            <a:r>
+              <a:rPr lang="en-IN" dirty="0"/>
+              <a:t>temp = head;    </a:t>
+            </a:r>
+          </a:p>
+          <a:p>
+            <a:pPr marL="0" indent="0">
+              <a:buNone/>
+            </a:pPr>
+            <a:r>
+              <a:rPr lang="en-IN" dirty="0"/>
+              <a:t>while (temp != </a:t>
             </a:r>
             <a:r>
               <a:rPr lang="en-IN" dirty="0" err="1"/>
@@ -4338,46 +4251,35 @@
               <a:rPr lang="en-IN" dirty="0"/>
               <a:t>) {        </a:t>
             </a:r>
-            <a:endParaRPr lang="en-IN" dirty="0" smtClean="0"/>
-          </a:p>
-          <a:p>
-            <a:pPr marL="0" indent="0">
-              <a:buNone/>
-            </a:pPr>
-            <a:r>
-              <a:rPr lang="en-IN" dirty="0" err="1" smtClean="0"/>
+          </a:p>
+          <a:p>
+            <a:pPr marL="0" indent="0">
+              <a:buNone/>
+            </a:pPr>
+            <a:r>
+              <a:rPr lang="en-IN" dirty="0" err="1"/>
               <a:t>cout</a:t>
             </a:r>
             <a:r>
-              <a:rPr lang="en-IN" dirty="0" smtClean="0"/>
-              <a:t> </a:t>
-            </a:r>
-            <a:r>
-              <a:rPr lang="en-IN" dirty="0"/>
-              <a:t>&lt;&lt; temp-&gt;data &lt;&lt; " ";        </a:t>
-            </a:r>
-            <a:endParaRPr lang="en-IN" dirty="0" smtClean="0"/>
-          </a:p>
-          <a:p>
-            <a:pPr marL="0" indent="0">
-              <a:buNone/>
-            </a:pPr>
-            <a:r>
-              <a:rPr lang="en-IN" dirty="0" smtClean="0"/>
-              <a:t>temp </a:t>
-            </a:r>
-            <a:r>
-              <a:rPr lang="en-IN" dirty="0"/>
-              <a:t>= temp-&gt;next;    </a:t>
-            </a:r>
-            <a:endParaRPr lang="en-IN" dirty="0" smtClean="0"/>
-          </a:p>
-          <a:p>
-            <a:pPr marL="0" indent="0">
-              <a:buNone/>
-            </a:pPr>
-            <a:r>
-              <a:rPr lang="en-IN" dirty="0" smtClean="0"/>
+              <a:rPr lang="en-IN" dirty="0"/>
+              <a:t> &lt;&lt; temp-&gt;data &lt;&lt; " ";        </a:t>
+            </a:r>
+          </a:p>
+          <a:p>
+            <a:pPr marL="0" indent="0">
+              <a:buNone/>
+            </a:pPr>
+            <a:r>
+              <a:rPr lang="en-IN" dirty="0"/>
+              <a:t>temp = temp-&gt;next;    </a:t>
+            </a:r>
+          </a:p>
+          <a:p>
+            <a:pPr marL="0" indent="0">
+              <a:buNone/>
+            </a:pPr>
+            <a:r>
+              <a:rPr lang="en-IN" dirty="0"/>
               <a:t>}    </a:t>
             </a:r>
           </a:p>
@@ -4386,23 +4288,19 @@
               <a:buNone/>
             </a:pPr>
             <a:r>
-              <a:rPr lang="en-IN" dirty="0" err="1" smtClean="0"/>
+              <a:rPr lang="en-IN" dirty="0" err="1"/>
               <a:t>cout</a:t>
             </a:r>
             <a:r>
-              <a:rPr lang="en-IN" dirty="0" smtClean="0"/>
-              <a:t> </a:t>
-            </a:r>
-            <a:r>
-              <a:rPr lang="en-IN" dirty="0"/>
-              <a:t>&lt;&lt; </a:t>
+              <a:rPr lang="en-IN" dirty="0"/>
+              <a:t> &lt;&lt; </a:t>
             </a:r>
             <a:r>
               <a:rPr lang="en-IN" dirty="0" err="1"/>
               <a:t>endl</a:t>
             </a:r>
             <a:r>
-              <a:rPr lang="en-IN" dirty="0" smtClean="0"/>
+              <a:rPr lang="en-IN" dirty="0"/>
               <a:t>;</a:t>
             </a:r>
           </a:p>
@@ -4454,7 +4352,7 @@
           <a:lstStyle/>
           <a:p>
             <a:r>
-              <a:rPr lang="en-US" dirty="0" smtClean="0"/>
+              <a:rPr lang="en-US" dirty="0"/>
               <a:t>code</a:t>
             </a:r>
             <a:endParaRPr lang="en-IN" dirty="0"/>
@@ -4495,7 +4393,7 @@
               <a:t>handleArray</a:t>
             </a:r>
             <a:r>
-              <a:rPr lang="en-IN" dirty="0" smtClean="0"/>
+              <a:rPr lang="en-IN" dirty="0"/>
               <a:t>()</a:t>
             </a:r>
           </a:p>
@@ -4504,219 +4402,178 @@
               <a:buNone/>
             </a:pPr>
             <a:r>
-              <a:rPr lang="en-IN" dirty="0" smtClean="0"/>
+              <a:rPr lang="en-IN" dirty="0"/>
+              <a:t> {    </a:t>
+            </a:r>
+          </a:p>
+          <a:p>
+            <a:pPr marL="0" indent="0">
+              <a:buNone/>
+            </a:pPr>
+            <a:r>
+              <a:rPr lang="en-IN" dirty="0" err="1"/>
+              <a:t>int</a:t>
+            </a:r>
+            <a:r>
+              <a:rPr lang="en-IN" dirty="0"/>
+              <a:t> size;    </a:t>
+            </a:r>
+          </a:p>
+          <a:p>
+            <a:pPr marL="0" indent="0">
+              <a:buNone/>
+            </a:pPr>
+            <a:r>
+              <a:rPr lang="en-IN" dirty="0" err="1"/>
+              <a:t>cout</a:t>
+            </a:r>
+            <a:r>
+              <a:rPr lang="en-IN" dirty="0"/>
+              <a:t> &lt;&lt; "Enter the size of the array: ";    </a:t>
+            </a:r>
+          </a:p>
+          <a:p>
+            <a:pPr marL="0" indent="0">
+              <a:buNone/>
+            </a:pPr>
+            <a:r>
+              <a:rPr lang="en-IN" dirty="0" err="1"/>
+              <a:t>cin</a:t>
+            </a:r>
+            <a:r>
+              <a:rPr lang="en-IN" dirty="0"/>
+              <a:t> &gt;&gt; size;    </a:t>
+            </a:r>
+          </a:p>
+          <a:p>
+            <a:pPr marL="0" indent="0">
+              <a:buNone/>
+            </a:pPr>
+            <a:r>
+              <a:rPr lang="en-IN" dirty="0"/>
+              <a:t>vector&lt;</a:t>
+            </a:r>
+            <a:r>
+              <a:rPr lang="en-IN" dirty="0" err="1"/>
+              <a:t>int</a:t>
+            </a:r>
+            <a:r>
+              <a:rPr lang="en-IN" dirty="0"/>
+              <a:t>&gt; </a:t>
+            </a:r>
+            <a:r>
+              <a:rPr lang="en-IN" dirty="0" err="1"/>
+              <a:t>myArray</a:t>
+            </a:r>
+            <a:r>
+              <a:rPr lang="en-IN" dirty="0"/>
+              <a:t>(size);    </a:t>
+            </a:r>
+          </a:p>
+          <a:p>
+            <a:pPr marL="0" indent="0">
+              <a:buNone/>
+            </a:pPr>
+            <a:r>
+              <a:rPr lang="en-IN" dirty="0" err="1"/>
+              <a:t>cout</a:t>
+            </a:r>
+            <a:r>
+              <a:rPr lang="en-IN" dirty="0"/>
+              <a:t> &lt;&lt; "Enter " &lt;&lt; size &lt;&lt; " integers for the array:\n";    </a:t>
+            </a:r>
+          </a:p>
+          <a:p>
+            <a:pPr marL="0" indent="0">
+              <a:buNone/>
+            </a:pPr>
+            <a:r>
+              <a:rPr lang="en-IN" dirty="0"/>
+              <a:t>for (</a:t>
+            </a:r>
+            <a:r>
+              <a:rPr lang="en-IN" dirty="0" err="1"/>
+              <a:t>int</a:t>
+            </a:r>
+            <a:r>
+              <a:rPr lang="en-IN" dirty="0"/>
               <a:t> </a:t>
             </a:r>
             <a:r>
-              <a:rPr lang="en-IN" dirty="0"/>
-              <a:t>{    </a:t>
-            </a:r>
-            <a:endParaRPr lang="en-IN" dirty="0" smtClean="0"/>
-          </a:p>
-          <a:p>
-            <a:pPr marL="0" indent="0">
-              <a:buNone/>
-            </a:pPr>
-            <a:r>
-              <a:rPr lang="en-IN" dirty="0" err="1" smtClean="0"/>
-              <a:t>int</a:t>
-            </a:r>
-            <a:r>
-              <a:rPr lang="en-IN" dirty="0" smtClean="0"/>
-              <a:t> </a:t>
-            </a:r>
-            <a:r>
-              <a:rPr lang="en-IN" dirty="0"/>
-              <a:t>size;    </a:t>
-            </a:r>
-            <a:endParaRPr lang="en-IN" dirty="0" smtClean="0"/>
-          </a:p>
-          <a:p>
-            <a:pPr marL="0" indent="0">
-              <a:buNone/>
-            </a:pPr>
-            <a:r>
-              <a:rPr lang="en-IN" dirty="0" err="1" smtClean="0"/>
+              <a:rPr lang="en-IN" dirty="0" err="1"/>
+              <a:t>i</a:t>
+            </a:r>
+            <a:r>
+              <a:rPr lang="en-IN" dirty="0"/>
+              <a:t> = 0; </a:t>
+            </a:r>
+            <a:r>
+              <a:rPr lang="en-IN" dirty="0" err="1"/>
+              <a:t>i</a:t>
+            </a:r>
+            <a:r>
+              <a:rPr lang="en-IN" dirty="0"/>
+              <a:t> &lt; size; ++</a:t>
+            </a:r>
+            <a:r>
+              <a:rPr lang="en-IN" dirty="0" err="1"/>
+              <a:t>i</a:t>
+            </a:r>
+            <a:r>
+              <a:rPr lang="en-IN" dirty="0"/>
+              <a:t>) {        </a:t>
+            </a:r>
+          </a:p>
+          <a:p>
+            <a:pPr marL="0" indent="0">
+              <a:buNone/>
+            </a:pPr>
+            <a:r>
+              <a:rPr lang="en-IN" dirty="0" err="1"/>
+              <a:t>cin</a:t>
+            </a:r>
+            <a:r>
+              <a:rPr lang="en-IN" dirty="0"/>
+              <a:t> &gt;&gt; </a:t>
+            </a:r>
+            <a:r>
+              <a:rPr lang="en-IN" dirty="0" err="1"/>
+              <a:t>myArray</a:t>
+            </a:r>
+            <a:r>
+              <a:rPr lang="en-IN" dirty="0"/>
+              <a:t>[</a:t>
+            </a:r>
+            <a:r>
+              <a:rPr lang="en-IN" dirty="0" err="1"/>
+              <a:t>i</a:t>
+            </a:r>
+            <a:r>
+              <a:rPr lang="en-IN" dirty="0"/>
+              <a:t>];    </a:t>
+            </a:r>
+          </a:p>
+          <a:p>
+            <a:pPr marL="0" indent="0">
+              <a:buNone/>
+            </a:pPr>
+            <a:r>
+              <a:rPr lang="en-IN" dirty="0"/>
+              <a:t>}    </a:t>
+            </a:r>
+          </a:p>
+          <a:p>
+            <a:pPr marL="0" indent="0">
+              <a:buNone/>
+            </a:pPr>
+            <a:r>
+              <a:rPr lang="en-IN" dirty="0" err="1"/>
               <a:t>cout</a:t>
             </a:r>
             <a:r>
-              <a:rPr lang="en-IN" dirty="0" smtClean="0"/>
-              <a:t> </a:t>
-            </a:r>
-            <a:r>
-              <a:rPr lang="en-IN" dirty="0"/>
-              <a:t>&lt;&lt; "Enter the size of the array: ";    </a:t>
-            </a:r>
-            <a:endParaRPr lang="en-IN" dirty="0" smtClean="0"/>
-          </a:p>
-          <a:p>
-            <a:pPr marL="0" indent="0">
-              <a:buNone/>
-            </a:pPr>
-            <a:r>
-              <a:rPr lang="en-IN" dirty="0" err="1" smtClean="0"/>
-              <a:t>cin</a:t>
-            </a:r>
-            <a:r>
-              <a:rPr lang="en-IN" dirty="0" smtClean="0"/>
-              <a:t> </a:t>
-            </a:r>
-            <a:r>
-              <a:rPr lang="en-IN" dirty="0"/>
-              <a:t>&gt;&gt; size;    </a:t>
-            </a:r>
-            <a:endParaRPr lang="en-IN" dirty="0" smtClean="0"/>
-          </a:p>
-          <a:p>
-            <a:pPr marL="0" indent="0">
-              <a:buNone/>
-            </a:pPr>
-            <a:r>
-              <a:rPr lang="en-IN" dirty="0" smtClean="0"/>
-              <a:t>vector&lt;</a:t>
-            </a:r>
-            <a:r>
-              <a:rPr lang="en-IN" dirty="0" err="1" smtClean="0"/>
-              <a:t>int</a:t>
-            </a:r>
-            <a:r>
-              <a:rPr lang="en-IN" dirty="0"/>
-              <a:t>&gt; </a:t>
-            </a:r>
-            <a:r>
-              <a:rPr lang="en-IN" dirty="0" err="1"/>
-              <a:t>myArray</a:t>
-            </a:r>
-            <a:r>
-              <a:rPr lang="en-IN" dirty="0"/>
-              <a:t>(size);    </a:t>
-            </a:r>
-            <a:endParaRPr lang="en-IN" dirty="0" smtClean="0"/>
-          </a:p>
-          <a:p>
-            <a:pPr marL="0" indent="0">
-              <a:buNone/>
-            </a:pPr>
-            <a:r>
-              <a:rPr lang="en-IN" dirty="0" err="1" smtClean="0"/>
-              <a:t>cout</a:t>
-            </a:r>
-            <a:r>
-              <a:rPr lang="en-IN" dirty="0" smtClean="0"/>
-              <a:t> </a:t>
-            </a:r>
-            <a:r>
-              <a:rPr lang="en-IN" dirty="0"/>
-              <a:t>&lt;&lt; "Enter " &lt;&lt; size &lt;&lt; " integers for the array:\n";    </a:t>
-            </a:r>
-            <a:endParaRPr lang="en-IN" dirty="0" smtClean="0"/>
-          </a:p>
-          <a:p>
-            <a:pPr marL="0" indent="0">
-              <a:buNone/>
-            </a:pPr>
-            <a:r>
-              <a:rPr lang="en-IN" dirty="0" smtClean="0"/>
-              <a:t>for </a:t>
-            </a:r>
-            <a:r>
-              <a:rPr lang="en-IN" dirty="0"/>
-              <a:t>(</a:t>
-            </a:r>
-            <a:r>
-              <a:rPr lang="en-IN" dirty="0" err="1"/>
-              <a:t>int</a:t>
-            </a:r>
-            <a:r>
-              <a:rPr lang="en-IN" dirty="0"/>
-              <a:t> </a:t>
-            </a:r>
-            <a:r>
-              <a:rPr lang="en-IN" dirty="0" err="1"/>
-              <a:t>i</a:t>
-            </a:r>
-            <a:r>
-              <a:rPr lang="en-IN" dirty="0"/>
-              <a:t> = 0; </a:t>
-            </a:r>
-            <a:r>
-              <a:rPr lang="en-IN" dirty="0" err="1"/>
-              <a:t>i</a:t>
-            </a:r>
-            <a:r>
-              <a:rPr lang="en-IN" dirty="0"/>
-              <a:t> &lt; size; ++</a:t>
-            </a:r>
-            <a:r>
-              <a:rPr lang="en-IN" dirty="0" err="1"/>
-              <a:t>i</a:t>
-            </a:r>
-            <a:r>
-              <a:rPr lang="en-IN" dirty="0"/>
-              <a:t>) {        </a:t>
-            </a:r>
-            <a:endParaRPr lang="en-IN" dirty="0" smtClean="0"/>
-          </a:p>
-          <a:p>
-            <a:pPr marL="0" indent="0">
-              <a:buNone/>
-            </a:pPr>
-            <a:r>
-              <a:rPr lang="en-IN" dirty="0" err="1" smtClean="0"/>
-              <a:t>cin</a:t>
-            </a:r>
-            <a:r>
-              <a:rPr lang="en-IN" dirty="0" smtClean="0"/>
-              <a:t> </a:t>
-            </a:r>
-            <a:r>
-              <a:rPr lang="en-IN" dirty="0"/>
-              <a:t>&gt;&gt; </a:t>
-            </a:r>
-            <a:r>
-              <a:rPr lang="en-IN" dirty="0" err="1"/>
-              <a:t>myArray</a:t>
-            </a:r>
-            <a:r>
-              <a:rPr lang="en-IN" dirty="0"/>
-              <a:t>[</a:t>
-            </a:r>
-            <a:r>
-              <a:rPr lang="en-IN" dirty="0" err="1"/>
-              <a:t>i</a:t>
-            </a:r>
-            <a:r>
-              <a:rPr lang="en-IN" dirty="0"/>
-              <a:t>];    </a:t>
-            </a:r>
-            <a:endParaRPr lang="en-IN" dirty="0" smtClean="0"/>
-          </a:p>
-          <a:p>
-            <a:pPr marL="0" indent="0">
-              <a:buNone/>
-            </a:pPr>
-            <a:r>
-              <a:rPr lang="en-IN" dirty="0" smtClean="0"/>
-              <a:t>}    </a:t>
-            </a:r>
-          </a:p>
-          <a:p>
-            <a:pPr marL="0" indent="0">
-              <a:buNone/>
-            </a:pPr>
-            <a:r>
-              <a:rPr lang="en-IN" dirty="0" err="1" smtClean="0"/>
-              <a:t>cout</a:t>
-            </a:r>
-            <a:r>
-              <a:rPr lang="en-IN" dirty="0" smtClean="0"/>
-              <a:t> </a:t>
-            </a:r>
-            <a:r>
-              <a:rPr lang="en-IN" dirty="0"/>
-              <a:t>&lt;&lt; "Array contents: ";   </a:t>
-            </a:r>
-            <a:endParaRPr lang="en-IN" dirty="0" smtClean="0"/>
+              <a:rPr lang="en-IN" dirty="0"/>
+              <a:t> &lt;&lt; "Array contents: ";   </a:t>
+            </a:r>
           </a:p>
         </p:txBody>
       </p:sp>
@@ -4766,7 +4623,7 @@
           <a:lstStyle/>
           <a:p>
             <a:r>
-              <a:rPr lang="en-US" dirty="0" smtClean="0"/>
+              <a:rPr lang="en-US" dirty="0"/>
               <a:t>code</a:t>
             </a:r>
             <a:endParaRPr lang="en-IN" dirty="0"/>
@@ -4829,23 +4686,18 @@
               <a:rPr lang="en-IN" dirty="0"/>
               <a:t>) {        </a:t>
             </a:r>
-            <a:endParaRPr lang="en-IN" dirty="0" smtClean="0"/>
-          </a:p>
-          <a:p>
-            <a:pPr marL="0" indent="0">
-              <a:buNone/>
-            </a:pPr>
-            <a:r>
-              <a:rPr lang="en-IN" dirty="0" err="1" smtClean="0"/>
+          </a:p>
+          <a:p>
+            <a:pPr marL="0" indent="0">
+              <a:buNone/>
+            </a:pPr>
+            <a:r>
+              <a:rPr lang="en-IN" dirty="0" err="1"/>
               <a:t>cout</a:t>
             </a:r>
             <a:r>
-              <a:rPr lang="en-IN" dirty="0" smtClean="0"/>
-              <a:t> </a:t>
-            </a:r>
-            <a:r>
-              <a:rPr lang="en-IN" dirty="0"/>
-              <a:t>&lt;&lt; </a:t>
+              <a:rPr lang="en-IN" dirty="0"/>
+              <a:t> &lt;&lt; </a:t>
             </a:r>
             <a:r>
               <a:rPr lang="en-IN" dirty="0" err="1"/>
@@ -4863,14 +4715,13 @@
               <a:rPr lang="en-IN" dirty="0"/>
               <a:t>] &lt;&lt; " ";    </a:t>
             </a:r>
-            <a:endParaRPr lang="en-IN" dirty="0" smtClean="0"/>
-          </a:p>
-          <a:p>
-            <a:pPr marL="0" indent="0">
-              <a:buNone/>
-            </a:pPr>
-            <a:r>
-              <a:rPr lang="en-IN" dirty="0" smtClean="0"/>
+          </a:p>
+          <a:p>
+            <a:pPr marL="0" indent="0">
+              <a:buNone/>
+            </a:pPr>
+            <a:r>
+              <a:rPr lang="en-IN" dirty="0"/>
               <a:t>}    </a:t>
             </a:r>
           </a:p>
@@ -4879,23 +4730,19 @@
               <a:buNone/>
             </a:pPr>
             <a:r>
-              <a:rPr lang="en-IN" dirty="0" err="1" smtClean="0"/>
+              <a:rPr lang="en-IN" dirty="0" err="1"/>
               <a:t>cout</a:t>
             </a:r>
             <a:r>
-              <a:rPr lang="en-IN" dirty="0" smtClean="0"/>
-              <a:t> </a:t>
-            </a:r>
-            <a:r>
-              <a:rPr lang="en-IN" dirty="0"/>
-              <a:t>&lt;&lt; </a:t>
+              <a:rPr lang="en-IN" dirty="0"/>
+              <a:t> &lt;&lt; </a:t>
             </a:r>
             <a:r>
               <a:rPr lang="en-IN" dirty="0" err="1"/>
               <a:t>endl</a:t>
             </a:r>
             <a:r>
-              <a:rPr lang="en-IN" dirty="0" smtClean="0"/>
+              <a:rPr lang="en-IN" dirty="0"/>
               <a:t>;</a:t>
             </a:r>
           </a:p>
@@ -4904,7 +4751,7 @@
               <a:buNone/>
             </a:pPr>
             <a:r>
-              <a:rPr lang="en-IN" dirty="0" smtClean="0"/>
+              <a:rPr lang="en-IN" dirty="0"/>
               <a:t>}</a:t>
             </a:r>
           </a:p>
@@ -4913,7 +4760,7 @@
               <a:buNone/>
             </a:pPr>
             <a:r>
-              <a:rPr lang="en-IN" dirty="0" smtClean="0"/>
+              <a:rPr lang="en-IN" dirty="0"/>
               <a:t>void </a:t>
             </a:r>
             <a:r>
@@ -4924,23 +4771,18 @@
               <a:rPr lang="en-IN" dirty="0"/>
               <a:t>() {    </a:t>
             </a:r>
-            <a:endParaRPr lang="en-IN" dirty="0" smtClean="0"/>
-          </a:p>
-          <a:p>
-            <a:pPr marL="0" indent="0">
-              <a:buNone/>
-            </a:pPr>
-            <a:r>
-              <a:rPr lang="en-IN" dirty="0" err="1" smtClean="0"/>
+          </a:p>
+          <a:p>
+            <a:pPr marL="0" indent="0">
+              <a:buNone/>
+            </a:pPr>
+            <a:r>
+              <a:rPr lang="en-IN" dirty="0" err="1"/>
               <a:t>int</a:t>
             </a:r>
             <a:r>
-              <a:rPr lang="en-IN" dirty="0" smtClean="0"/>
-              <a:t> </a:t>
-            </a:r>
-            <a:r>
-              <a:rPr lang="en-IN" dirty="0"/>
-              <a:t>size, </a:t>
+              <a:rPr lang="en-IN" dirty="0"/>
+              <a:t> size, </a:t>
             </a:r>
             <a:r>
               <a:rPr lang="en-IN" dirty="0" err="1"/>
@@ -4950,54 +4792,43 @@
               <a:rPr lang="en-IN" dirty="0"/>
               <a:t>;    </a:t>
             </a:r>
-            <a:endParaRPr lang="en-IN" dirty="0" smtClean="0"/>
-          </a:p>
-          <a:p>
-            <a:pPr marL="0" indent="0">
-              <a:buNone/>
-            </a:pPr>
-            <a:r>
-              <a:rPr lang="en-IN" dirty="0" err="1" smtClean="0"/>
+          </a:p>
+          <a:p>
+            <a:pPr marL="0" indent="0">
+              <a:buNone/>
+            </a:pPr>
+            <a:r>
+              <a:rPr lang="en-IN" dirty="0" err="1"/>
               <a:t>cout</a:t>
             </a:r>
             <a:r>
-              <a:rPr lang="en-IN" dirty="0" smtClean="0"/>
-              <a:t> </a:t>
-            </a:r>
-            <a:r>
-              <a:rPr lang="en-IN" dirty="0"/>
-              <a:t>&lt;&lt; "Enter the size of the stack: ";    </a:t>
-            </a:r>
-            <a:endParaRPr lang="en-IN" dirty="0" smtClean="0"/>
-          </a:p>
-          <a:p>
-            <a:pPr marL="0" indent="0">
-              <a:buNone/>
-            </a:pPr>
-            <a:r>
-              <a:rPr lang="en-IN" dirty="0" err="1" smtClean="0"/>
+              <a:rPr lang="en-IN" dirty="0"/>
+              <a:t> &lt;&lt; "Enter the size of the stack: ";    </a:t>
+            </a:r>
+          </a:p>
+          <a:p>
+            <a:pPr marL="0" indent="0">
+              <a:buNone/>
+            </a:pPr>
+            <a:r>
+              <a:rPr lang="en-IN" dirty="0" err="1"/>
               <a:t>cin</a:t>
             </a:r>
             <a:r>
-              <a:rPr lang="en-IN" dirty="0" smtClean="0"/>
-              <a:t> </a:t>
-            </a:r>
-            <a:r>
-              <a:rPr lang="en-IN" dirty="0"/>
-              <a:t>&gt;&gt; size;    </a:t>
-            </a:r>
-            <a:endParaRPr lang="en-IN" dirty="0" smtClean="0"/>
-          </a:p>
-          <a:p>
-            <a:pPr marL="0" indent="0">
-              <a:buNone/>
-            </a:pPr>
-            <a:r>
-              <a:rPr lang="en-IN" dirty="0" smtClean="0"/>
+              <a:rPr lang="en-IN" dirty="0"/>
+              <a:t> &gt;&gt; size;    </a:t>
+            </a:r>
+          </a:p>
+          <a:p>
+            <a:pPr marL="0" indent="0">
+              <a:buNone/>
+            </a:pPr>
+            <a:r>
+              <a:rPr lang="en-IN" dirty="0"/>
               <a:t>stack&lt;</a:t>
             </a:r>
             <a:r>
-              <a:rPr lang="en-IN" dirty="0" err="1" smtClean="0"/>
+              <a:rPr lang="en-IN" dirty="0" err="1"/>
               <a:t>int</a:t>
             </a:r>
             <a:r>
@@ -5012,7 +4843,6 @@
               <a:rPr lang="en-IN" dirty="0"/>
               <a:t>;    </a:t>
             </a:r>
-            <a:endParaRPr lang="en-IN" dirty="0" smtClean="0"/>
           </a:p>
         </p:txBody>
       </p:sp>
@@ -5062,7 +4892,7 @@
           <a:lstStyle/>
           <a:p>
             <a:r>
-              <a:rPr lang="en-US" dirty="0" smtClean="0"/>
+              <a:rPr lang="en-US" dirty="0"/>
               <a:t>code</a:t>
             </a:r>
             <a:endParaRPr lang="en-IN" dirty="0"/>
@@ -5102,15 +4932,76 @@
               <a:rPr lang="en-IN" dirty="0"/>
               <a:t> &lt;&lt; "Enter " &lt;&lt; size &lt;&lt; " integers for the stack:\n";    </a:t>
             </a:r>
-            <a:endParaRPr lang="en-IN" dirty="0" smtClean="0"/>
-          </a:p>
-          <a:p>
-            <a:pPr marL="0" indent="0">
-              <a:buNone/>
-            </a:pPr>
-            <a:r>
-              <a:rPr lang="en-IN" dirty="0" smtClean="0"/>
-              <a:t>for </a:t>
+          </a:p>
+          <a:p>
+            <a:pPr marL="0" indent="0">
+              <a:buNone/>
+            </a:pPr>
+            <a:r>
+              <a:rPr lang="en-IN" dirty="0"/>
+              <a:t>for (</a:t>
+            </a:r>
+            <a:r>
+              <a:rPr lang="en-IN" dirty="0" err="1"/>
+              <a:t>int</a:t>
+            </a:r>
+            <a:r>
+              <a:rPr lang="en-IN" dirty="0"/>
+              <a:t> </a:t>
+            </a:r>
+            <a:r>
+              <a:rPr lang="en-IN" dirty="0" err="1"/>
+              <a:t>i</a:t>
+            </a:r>
+            <a:r>
+              <a:rPr lang="en-IN" dirty="0"/>
+              <a:t> = 0; </a:t>
+            </a:r>
+            <a:r>
+              <a:rPr lang="en-IN" dirty="0" err="1"/>
+              <a:t>i</a:t>
+            </a:r>
+            <a:r>
+              <a:rPr lang="en-IN" dirty="0"/>
+              <a:t> &lt; size; ++</a:t>
+            </a:r>
+            <a:r>
+              <a:rPr lang="en-IN" dirty="0" err="1"/>
+              <a:t>i</a:t>
+            </a:r>
+            <a:r>
+              <a:rPr lang="en-IN" dirty="0"/>
+              <a:t>) {        </a:t>
+            </a:r>
+          </a:p>
+          <a:p>
+            <a:pPr marL="0" indent="0">
+              <a:buNone/>
+            </a:pPr>
+            <a:r>
+              <a:rPr lang="en-IN" dirty="0" err="1"/>
+              <a:t>cin</a:t>
+            </a:r>
+            <a:r>
+              <a:rPr lang="en-IN" dirty="0"/>
+              <a:t> &gt;&gt; </a:t>
+            </a:r>
+            <a:r>
+              <a:rPr lang="en-IN" dirty="0" err="1"/>
+              <a:t>val</a:t>
+            </a:r>
+            <a:r>
+              <a:rPr lang="en-IN" dirty="0"/>
+              <a:t>;        </a:t>
+            </a:r>
+          </a:p>
+          <a:p>
+            <a:pPr marL="0" indent="0">
+              <a:buNone/>
+            </a:pPr>
+            <a:r>
+              <a:rPr lang="en-IN" dirty="0" err="1"/>
+              <a:t>myStack.push</a:t>
             </a:r>
             <a:r>
               <a:rPr lang="en-IN" dirty="0"/>
@@ -5118,211 +5009,113 @@
             </a:r>
             <a:r>
               <a:rPr lang="en-IN" dirty="0" err="1"/>
-              <a:t>int</a:t>
-            </a:r>
-            <a:r>
-              <a:rPr lang="en-IN" dirty="0"/>
-              <a:t> </a:t>
-            </a:r>
-            <a:r>
-              <a:rPr lang="en-IN" dirty="0" err="1"/>
-              <a:t>i</a:t>
-            </a:r>
-            <a:r>
-              <a:rPr lang="en-IN" dirty="0"/>
-              <a:t> = 0; </a:t>
-            </a:r>
-            <a:r>
-              <a:rPr lang="en-IN" dirty="0" err="1"/>
-              <a:t>i</a:t>
-            </a:r>
-            <a:r>
-              <a:rPr lang="en-IN" dirty="0"/>
-              <a:t> &lt; size; ++</a:t>
-            </a:r>
-            <a:r>
-              <a:rPr lang="en-IN" dirty="0" err="1"/>
-              <a:t>i</a:t>
-            </a:r>
-            <a:r>
-              <a:rPr lang="en-IN" dirty="0"/>
-              <a:t>) {        </a:t>
-            </a:r>
-            <a:endParaRPr lang="en-IN" dirty="0" smtClean="0"/>
-          </a:p>
-          <a:p>
-            <a:pPr marL="0" indent="0">
-              <a:buNone/>
-            </a:pPr>
-            <a:r>
-              <a:rPr lang="en-IN" dirty="0" err="1" smtClean="0"/>
-              <a:t>cin</a:t>
-            </a:r>
-            <a:r>
-              <a:rPr lang="en-IN" dirty="0" smtClean="0"/>
-              <a:t> </a:t>
-            </a:r>
-            <a:r>
-              <a:rPr lang="en-IN" dirty="0"/>
-              <a:t>&gt;&gt; </a:t>
-            </a:r>
-            <a:r>
-              <a:rPr lang="en-IN" dirty="0" err="1"/>
               <a:t>val</a:t>
             </a:r>
             <a:r>
               <a:rPr lang="en-IN" dirty="0"/>
-              <a:t>;        </a:t>
-            </a:r>
-            <a:endParaRPr lang="en-IN" dirty="0" smtClean="0"/>
-          </a:p>
-          <a:p>
-            <a:pPr marL="0" indent="0">
-              <a:buNone/>
-            </a:pPr>
-            <a:r>
-              <a:rPr lang="en-IN" dirty="0" err="1" smtClean="0"/>
-              <a:t>myStack.push</a:t>
-            </a:r>
-            <a:r>
-              <a:rPr lang="en-IN" dirty="0" smtClean="0"/>
-              <a:t>(</a:t>
-            </a:r>
-            <a:r>
-              <a:rPr lang="en-IN" dirty="0" err="1" smtClean="0"/>
-              <a:t>val</a:t>
-            </a:r>
-            <a:r>
-              <a:rPr lang="en-IN" dirty="0"/>
               <a:t>);   </a:t>
             </a:r>
-            <a:endParaRPr lang="en-IN" dirty="0" smtClean="0"/>
-          </a:p>
-          <a:p>
-            <a:pPr marL="0" indent="0">
-              <a:buNone/>
-            </a:pPr>
-            <a:r>
-              <a:rPr lang="en-IN" dirty="0" smtClean="0"/>
-              <a:t> </a:t>
-            </a:r>
+          </a:p>
+          <a:p>
+            <a:pPr marL="0" indent="0">
+              <a:buNone/>
+            </a:pPr>
+            <a:r>
+              <a:rPr lang="en-IN" dirty="0"/>
+              <a:t> }    </a:t>
+            </a:r>
+          </a:p>
+          <a:p>
+            <a:pPr marL="0" indent="0">
+              <a:buNone/>
+            </a:pPr>
+            <a:r>
+              <a:rPr lang="en-IN" dirty="0" err="1"/>
+              <a:t>cout</a:t>
+            </a:r>
+            <a:r>
+              <a:rPr lang="en-IN" dirty="0"/>
+              <a:t> &lt;&lt; "Stack contents: ";    </a:t>
+            </a:r>
+          </a:p>
+          <a:p>
+            <a:pPr marL="0" indent="0">
+              <a:buNone/>
+            </a:pPr>
+            <a:r>
+              <a:rPr lang="en-IN" dirty="0"/>
+              <a:t>while (!</a:t>
+            </a:r>
+            <a:r>
+              <a:rPr lang="en-IN" dirty="0" err="1"/>
+              <a:t>myStack.empty</a:t>
+            </a:r>
+            <a:r>
+              <a:rPr lang="en-IN" dirty="0"/>
+              <a:t>()) {        </a:t>
+            </a:r>
+          </a:p>
+          <a:p>
+            <a:pPr marL="0" indent="0">
+              <a:buNone/>
+            </a:pPr>
+            <a:r>
+              <a:rPr lang="en-IN" dirty="0" err="1"/>
+              <a:t>cout</a:t>
+            </a:r>
+            <a:r>
+              <a:rPr lang="en-IN" dirty="0"/>
+              <a:t> &lt;&lt; </a:t>
+            </a:r>
+            <a:r>
+              <a:rPr lang="en-IN" dirty="0" err="1"/>
+              <a:t>myStack.top</a:t>
+            </a:r>
+            <a:r>
+              <a:rPr lang="en-IN" dirty="0"/>
+              <a:t>() &lt;&lt; " ";        </a:t>
+            </a:r>
+          </a:p>
+          <a:p>
+            <a:pPr marL="0" indent="0">
+              <a:buNone/>
+            </a:pPr>
+            <a:r>
+              <a:rPr lang="en-IN" dirty="0" err="1"/>
+              <a:t>myStack.pop</a:t>
+            </a:r>
+            <a:r>
+              <a:rPr lang="en-IN" dirty="0"/>
+              <a:t>();    </a:t>
+            </a:r>
+          </a:p>
+          <a:p>
+            <a:pPr marL="0" indent="0">
+              <a:buNone/>
+            </a:pPr>
             <a:r>
               <a:rPr lang="en-IN" dirty="0"/>
               <a:t>}    </a:t>
             </a:r>
-            <a:endParaRPr lang="en-IN" dirty="0" smtClean="0"/>
-          </a:p>
-          <a:p>
-            <a:pPr marL="0" indent="0">
-              <a:buNone/>
-            </a:pPr>
-            <a:r>
-              <a:rPr lang="en-IN" dirty="0" err="1" smtClean="0"/>
+          </a:p>
+          <a:p>
+            <a:pPr marL="0" indent="0">
+              <a:buNone/>
+            </a:pPr>
+            <a:r>
+              <a:rPr lang="en-IN" dirty="0" err="1"/>
               <a:t>cout</a:t>
             </a:r>
             <a:r>
-              <a:rPr lang="en-IN" dirty="0" smtClean="0"/>
-              <a:t> </a:t>
-            </a:r>
-            <a:r>
-              <a:rPr lang="en-IN" dirty="0"/>
-              <a:t>&lt;&lt; "Stack contents: ";    </a:t>
-            </a:r>
-            <a:endParaRPr lang="en-IN" dirty="0" smtClean="0"/>
-          </a:p>
-          <a:p>
-            <a:pPr marL="0" indent="0">
-              <a:buNone/>
-            </a:pPr>
-            <a:r>
-              <a:rPr lang="en-IN" dirty="0" smtClean="0"/>
-              <a:t>while </a:t>
-            </a:r>
-            <a:r>
-              <a:rPr lang="en-IN" dirty="0"/>
-              <a:t>(!</a:t>
-            </a:r>
-            <a:r>
-              <a:rPr lang="en-IN" dirty="0" err="1"/>
-              <a:t>myStack.empty</a:t>
-            </a:r>
-            <a:r>
-              <a:rPr lang="en-IN" dirty="0"/>
-              <a:t>()) {        </a:t>
-            </a:r>
-            <a:endParaRPr lang="en-IN" dirty="0" smtClean="0"/>
-          </a:p>
-          <a:p>
-            <a:pPr marL="0" indent="0">
-              <a:buNone/>
-            </a:pPr>
-            <a:r>
-              <a:rPr lang="en-IN" dirty="0" err="1" smtClean="0"/>
-              <a:t>cout</a:t>
-            </a:r>
-            <a:r>
-              <a:rPr lang="en-IN" dirty="0" smtClean="0"/>
-              <a:t> </a:t>
-            </a:r>
-            <a:r>
-              <a:rPr lang="en-IN" dirty="0"/>
-              <a:t>&lt;&lt; </a:t>
-            </a:r>
-            <a:r>
-              <a:rPr lang="en-IN" dirty="0" err="1"/>
-              <a:t>myStack.top</a:t>
-            </a:r>
-            <a:r>
-              <a:rPr lang="en-IN" dirty="0"/>
-              <a:t>() &lt;&lt; " ";        </a:t>
-            </a:r>
-            <a:endParaRPr lang="en-IN" dirty="0" smtClean="0"/>
-          </a:p>
-          <a:p>
-            <a:pPr marL="0" indent="0">
-              <a:buNone/>
-            </a:pPr>
-            <a:r>
-              <a:rPr lang="en-IN" dirty="0" err="1" smtClean="0"/>
-              <a:t>myStack.pop</a:t>
-            </a:r>
-            <a:r>
-              <a:rPr lang="en-IN" dirty="0"/>
-              <a:t>();    </a:t>
-            </a:r>
-            <a:endParaRPr lang="en-IN" dirty="0" smtClean="0"/>
-          </a:p>
-          <a:p>
-            <a:pPr marL="0" indent="0">
-              <a:buNone/>
-            </a:pPr>
-            <a:r>
-              <a:rPr lang="en-IN" dirty="0" smtClean="0"/>
-              <a:t>}    </a:t>
-            </a:r>
-          </a:p>
-          <a:p>
-            <a:pPr marL="0" indent="0">
-              <a:buNone/>
-            </a:pPr>
-            <a:r>
-              <a:rPr lang="en-IN" dirty="0" err="1" smtClean="0"/>
-              <a:t>cout</a:t>
-            </a:r>
-            <a:r>
-              <a:rPr lang="en-IN" dirty="0" smtClean="0"/>
-              <a:t> </a:t>
-            </a:r>
-            <a:r>
-              <a:rPr lang="en-IN" dirty="0"/>
-              <a:t>&lt;&lt; </a:t>
+              <a:rPr lang="en-IN" dirty="0"/>
+              <a:t> &lt;&lt; </a:t>
             </a:r>
             <a:r>
               <a:rPr lang="en-IN" dirty="0" err="1"/>
               <a:t>endl</a:t>
             </a:r>
             <a:r>
-              <a:rPr lang="en-IN" dirty="0" smtClean="0"/>
+              <a:rPr lang="en-IN" dirty="0"/>
               <a:t>;</a:t>
             </a:r>
           </a:p>
@@ -5331,7 +5124,7 @@
               <a:buNone/>
             </a:pPr>
             <a:r>
-              <a:rPr lang="en-IN" dirty="0" smtClean="0"/>
+              <a:rPr lang="en-IN" dirty="0"/>
               <a:t>}</a:t>
             </a:r>
           </a:p>
@@ -5383,7 +5176,7 @@
           <a:lstStyle/>
           <a:p>
             <a:r>
-              <a:rPr lang="en-US" dirty="0" smtClean="0"/>
+              <a:rPr lang="en-US" dirty="0"/>
               <a:t>code</a:t>
             </a:r>
             <a:endParaRPr lang="en-IN" dirty="0"/>
@@ -5422,23 +5215,148 @@
               <a:rPr lang="en-IN" dirty="0"/>
               <a:t>() {    </a:t>
             </a:r>
-            <a:endParaRPr lang="en-IN" dirty="0" smtClean="0"/>
-          </a:p>
-          <a:p>
-            <a:pPr marL="0" indent="0">
-              <a:buNone/>
-            </a:pPr>
-            <a:r>
-              <a:rPr lang="en-IN" dirty="0" err="1" smtClean="0"/>
+          </a:p>
+          <a:p>
+            <a:pPr marL="0" indent="0">
+              <a:buNone/>
+            </a:pPr>
+            <a:r>
+              <a:rPr lang="en-IN" dirty="0" err="1"/>
               <a:t>int</a:t>
             </a:r>
             <a:r>
-              <a:rPr lang="en-IN" dirty="0" smtClean="0"/>
+              <a:rPr lang="en-IN" dirty="0"/>
+              <a:t> size, </a:t>
+            </a:r>
+            <a:r>
+              <a:rPr lang="en-IN" dirty="0" err="1"/>
+              <a:t>val</a:t>
+            </a:r>
+            <a:r>
+              <a:rPr lang="en-IN" dirty="0"/>
+              <a:t>;    </a:t>
+            </a:r>
+          </a:p>
+          <a:p>
+            <a:pPr marL="0" indent="0">
+              <a:buNone/>
+            </a:pPr>
+            <a:r>
+              <a:rPr lang="en-IN" dirty="0" err="1"/>
+              <a:t>cout</a:t>
+            </a:r>
+            <a:r>
+              <a:rPr lang="en-IN" dirty="0"/>
+              <a:t> &lt;&lt; "Enter the size of the queue: ";   </a:t>
+            </a:r>
+          </a:p>
+          <a:p>
+            <a:pPr marL="0" indent="0">
+              <a:buNone/>
+            </a:pPr>
+            <a:r>
+              <a:rPr lang="en-IN" dirty="0"/>
               <a:t> </a:t>
             </a:r>
             <a:r>
-              <a:rPr lang="en-IN" dirty="0"/>
-              <a:t>size, </a:t>
+              <a:rPr lang="en-IN" dirty="0" err="1"/>
+              <a:t>cin</a:t>
+            </a:r>
+            <a:r>
+              <a:rPr lang="en-IN" dirty="0"/>
+              <a:t> &gt;&gt; size;    </a:t>
+            </a:r>
+          </a:p>
+          <a:p>
+            <a:pPr marL="0" indent="0">
+              <a:buNone/>
+            </a:pPr>
+            <a:r>
+              <a:rPr lang="en-IN" dirty="0"/>
+              <a:t>queue&lt;</a:t>
+            </a:r>
+            <a:r>
+              <a:rPr lang="en-IN" dirty="0" err="1"/>
+              <a:t>int</a:t>
+            </a:r>
+            <a:r>
+              <a:rPr lang="en-IN" dirty="0"/>
+              <a:t>&gt; </a:t>
+            </a:r>
+            <a:r>
+              <a:rPr lang="en-IN" dirty="0" err="1"/>
+              <a:t>myQueue</a:t>
+            </a:r>
+            <a:r>
+              <a:rPr lang="en-IN" dirty="0"/>
+              <a:t>;    </a:t>
+            </a:r>
+          </a:p>
+          <a:p>
+            <a:pPr marL="0" indent="0">
+              <a:buNone/>
+            </a:pPr>
+            <a:r>
+              <a:rPr lang="en-IN" dirty="0" err="1"/>
+              <a:t>cout</a:t>
+            </a:r>
+            <a:r>
+              <a:rPr lang="en-IN" dirty="0"/>
+              <a:t> &lt;&lt; "Enter " &lt;&lt; size &lt;&lt; " integers for the queue:\n";    </a:t>
+            </a:r>
+          </a:p>
+          <a:p>
+            <a:pPr marL="0" indent="0">
+              <a:buNone/>
+            </a:pPr>
+            <a:r>
+              <a:rPr lang="en-IN" dirty="0"/>
+              <a:t>for (</a:t>
+            </a:r>
+            <a:r>
+              <a:rPr lang="en-IN" dirty="0" err="1"/>
+              <a:t>int</a:t>
+            </a:r>
+            <a:r>
+              <a:rPr lang="en-IN" dirty="0"/>
+              <a:t> </a:t>
+            </a:r>
+            <a:r>
+              <a:rPr lang="en-IN" dirty="0" err="1"/>
+              <a:t>i</a:t>
+            </a:r>
+            <a:r>
+              <a:rPr lang="en-IN" dirty="0"/>
+              <a:t> = 0; </a:t>
+            </a:r>
+            <a:r>
+              <a:rPr lang="en-IN" dirty="0" err="1"/>
+              <a:t>i</a:t>
+            </a:r>
+            <a:r>
+              <a:rPr lang="en-IN" dirty="0"/>
+              <a:t> &lt; size; ++</a:t>
+            </a:r>
+            <a:r>
+              <a:rPr lang="en-IN" dirty="0" err="1"/>
+              <a:t>i</a:t>
+            </a:r>
+            <a:r>
+              <a:rPr lang="en-IN" dirty="0"/>
+              <a:t>) {        </a:t>
+            </a:r>
+          </a:p>
+          <a:p>
+            <a:pPr marL="0" indent="0">
+              <a:buNone/>
+            </a:pPr>
+            <a:r>
+              <a:rPr lang="en-IN" dirty="0" err="1"/>
+              <a:t>cin</a:t>
+            </a:r>
+            <a:r>
+              <a:rPr lang="en-IN" dirty="0"/>
+              <a:t> &gt;&gt; </a:t>
             </a:r>
             <a:r>
               <a:rPr lang="en-IN" dirty="0" err="1"/>
@@ -5446,97 +5364,16 @@
             </a:r>
             <a:r>
               <a:rPr lang="en-IN" dirty="0"/>
-              <a:t>;    </a:t>
-            </a:r>
-            <a:endParaRPr lang="en-IN" dirty="0" smtClean="0"/>
-          </a:p>
-          <a:p>
-            <a:pPr marL="0" indent="0">
-              <a:buNone/>
-            </a:pPr>
-            <a:r>
-              <a:rPr lang="en-IN" dirty="0" err="1" smtClean="0"/>
-              <a:t>cout</a:t>
-            </a:r>
-            <a:r>
-              <a:rPr lang="en-IN" dirty="0" smtClean="0"/>
-              <a:t> </a:t>
-            </a:r>
-            <a:r>
-              <a:rPr lang="en-IN" dirty="0"/>
-              <a:t>&lt;&lt; "Enter the size of the queue: ";   </a:t>
-            </a:r>
-            <a:endParaRPr lang="en-IN" dirty="0" smtClean="0"/>
-          </a:p>
-          <a:p>
-            <a:pPr marL="0" indent="0">
-              <a:buNone/>
-            </a:pPr>
-            <a:r>
-              <a:rPr lang="en-IN" dirty="0" smtClean="0"/>
-              <a:t> </a:t>
-            </a:r>
-            <a:r>
-              <a:rPr lang="en-IN" dirty="0" err="1"/>
-              <a:t>cin</a:t>
-            </a:r>
-            <a:r>
-              <a:rPr lang="en-IN" dirty="0"/>
-              <a:t> &gt;&gt; size;    </a:t>
-            </a:r>
-            <a:endParaRPr lang="en-IN" dirty="0" smtClean="0"/>
-          </a:p>
-          <a:p>
-            <a:pPr marL="0" indent="0">
-              <a:buNone/>
-            </a:pPr>
-            <a:r>
-              <a:rPr lang="en-IN" dirty="0" smtClean="0"/>
-              <a:t>queue&lt;</a:t>
-            </a:r>
-            <a:r>
-              <a:rPr lang="en-IN" dirty="0" err="1" smtClean="0"/>
-              <a:t>int</a:t>
-            </a:r>
-            <a:r>
-              <a:rPr lang="en-IN" dirty="0"/>
-              <a:t>&gt; </a:t>
-            </a:r>
-            <a:r>
-              <a:rPr lang="en-IN" dirty="0" err="1"/>
-              <a:t>myQueue</a:t>
-            </a:r>
-            <a:r>
-              <a:rPr lang="en-IN" dirty="0"/>
-              <a:t>;    </a:t>
-            </a:r>
-            <a:endParaRPr lang="en-IN" dirty="0" smtClean="0"/>
-          </a:p>
-          <a:p>
-            <a:pPr marL="0" indent="0">
-              <a:buNone/>
-            </a:pPr>
-            <a:r>
-              <a:rPr lang="en-IN" dirty="0" err="1" smtClean="0"/>
-              <a:t>cout</a:t>
-            </a:r>
-            <a:r>
-              <a:rPr lang="en-IN" dirty="0" smtClean="0"/>
-              <a:t> </a:t>
-            </a:r>
-            <a:r>
-              <a:rPr lang="en-IN" dirty="0"/>
-              <a:t>&lt;&lt; "Enter " &lt;&lt; size &lt;&lt; " integers for the queue:\n";    </a:t>
-            </a:r>
-            <a:endParaRPr lang="en-IN" dirty="0" smtClean="0"/>
-          </a:p>
-          <a:p>
-            <a:pPr marL="0" indent="0">
-              <a:buNone/>
-            </a:pPr>
-            <a:r>
-              <a:rPr lang="en-IN" dirty="0" smtClean="0"/>
-              <a:t>for </a:t>
+              <a:t>;        </a:t>
+            </a:r>
+          </a:p>
+          <a:p>
+            <a:pPr marL="0" indent="0">
+              <a:buNone/>
+            </a:pPr>
+            <a:r>
+              <a:rPr lang="en-IN" dirty="0" err="1"/>
+              <a:t>myQueue.push</a:t>
             </a:r>
             <a:r>
               <a:rPr lang="en-IN" dirty="0"/>
@@ -5544,95 +5381,21 @@
             </a:r>
             <a:r>
               <a:rPr lang="en-IN" dirty="0" err="1"/>
-              <a:t>int</a:t>
-            </a:r>
-            <a:r>
-              <a:rPr lang="en-IN" dirty="0"/>
-              <a:t> </a:t>
-            </a:r>
-            <a:r>
-              <a:rPr lang="en-IN" dirty="0" err="1"/>
-              <a:t>i</a:t>
-            </a:r>
-            <a:r>
-              <a:rPr lang="en-IN" dirty="0"/>
-              <a:t> = 0; </a:t>
-            </a:r>
-            <a:r>
-              <a:rPr lang="en-IN" dirty="0" err="1"/>
-              <a:t>i</a:t>
-            </a:r>
-            <a:r>
-              <a:rPr lang="en-IN" dirty="0"/>
-              <a:t> &lt; size; ++</a:t>
-            </a:r>
-            <a:r>
-              <a:rPr lang="en-IN" dirty="0" err="1"/>
-              <a:t>i</a:t>
-            </a:r>
-            <a:r>
-              <a:rPr lang="en-IN" dirty="0"/>
-              <a:t>) {        </a:t>
-            </a:r>
-            <a:endParaRPr lang="en-IN" dirty="0" smtClean="0"/>
-          </a:p>
-          <a:p>
-            <a:pPr marL="0" indent="0">
-              <a:buNone/>
-            </a:pPr>
-            <a:r>
-              <a:rPr lang="en-IN" dirty="0" err="1" smtClean="0"/>
-              <a:t>cin</a:t>
-            </a:r>
-            <a:r>
-              <a:rPr lang="en-IN" dirty="0" smtClean="0"/>
-              <a:t> </a:t>
-            </a:r>
-            <a:r>
-              <a:rPr lang="en-IN" dirty="0"/>
-              <a:t>&gt;&gt; </a:t>
-            </a:r>
-            <a:r>
-              <a:rPr lang="en-IN" dirty="0" err="1"/>
               <a:t>val</a:t>
             </a:r>
             <a:r>
               <a:rPr lang="en-IN" dirty="0"/>
-              <a:t>;        </a:t>
-            </a:r>
-            <a:endParaRPr lang="en-IN" dirty="0" smtClean="0"/>
-          </a:p>
-          <a:p>
-            <a:pPr marL="0" indent="0">
-              <a:buNone/>
-            </a:pPr>
-            <a:r>
-              <a:rPr lang="en-IN" dirty="0" err="1" smtClean="0"/>
-              <a:t>myQueue.push</a:t>
-            </a:r>
-            <a:r>
-              <a:rPr lang="en-IN" dirty="0" smtClean="0"/>
-              <a:t>(</a:t>
-            </a:r>
-            <a:r>
-              <a:rPr lang="en-IN" dirty="0" err="1" smtClean="0"/>
-              <a:t>val</a:t>
-            </a:r>
-            <a:r>
-              <a:rPr lang="en-IN" dirty="0"/>
               <a:t>);    </a:t>
             </a:r>
-            <a:endParaRPr lang="en-IN" dirty="0" smtClean="0"/>
-          </a:p>
-          <a:p>
-            <a:pPr marL="0" indent="0">
-              <a:buNone/>
-            </a:pPr>
-            <a:r>
-              <a:rPr lang="en-IN" dirty="0" smtClean="0"/>
+          </a:p>
+          <a:p>
+            <a:pPr marL="0" indent="0">
+              <a:buNone/>
+            </a:pPr>
+            <a:r>
+              <a:rPr lang="en-IN" dirty="0"/>
               <a:t>}</a:t>
             </a:r>
-            <a:endParaRPr lang="en-IN" dirty="0"/>
           </a:p>
         </p:txBody>
       </p:sp>
@@ -5682,7 +5445,7 @@
           <a:lstStyle/>
           <a:p>
             <a:r>
-              <a:rPr lang="en-US" dirty="0" smtClean="0"/>
+              <a:rPr lang="en-US" dirty="0"/>
               <a:t>code</a:t>
             </a:r>
             <a:endParaRPr lang="en-IN" dirty="0"/>
@@ -5722,19 +5485,14 @@
               <a:rPr lang="en-IN" dirty="0"/>
               <a:t> &lt;&lt; "Queue contents: ";    </a:t>
             </a:r>
-            <a:endParaRPr lang="en-IN" dirty="0" smtClean="0"/>
-          </a:p>
-          <a:p>
-            <a:pPr marL="0" indent="0">
-              <a:buNone/>
-            </a:pPr>
-            <a:r>
-              <a:rPr lang="en-IN" dirty="0" smtClean="0"/>
-              <a:t>while </a:t>
-            </a:r>
-            <a:r>
-              <a:rPr lang="en-IN" dirty="0"/>
-              <a:t>(!</a:t>
+          </a:p>
+          <a:p>
+            <a:pPr marL="0" indent="0">
+              <a:buNone/>
+            </a:pPr>
+            <a:r>
+              <a:rPr lang="en-IN" dirty="0"/>
+              <a:t>while (!</a:t>
             </a:r>
             <a:r>
               <a:rPr lang="en-IN" dirty="0" err="1"/>
@@ -5744,180 +5502,161 @@
               <a:rPr lang="en-IN" dirty="0"/>
               <a:t>()) {        </a:t>
             </a:r>
-            <a:endParaRPr lang="en-IN" dirty="0" smtClean="0"/>
-          </a:p>
-          <a:p>
-            <a:pPr marL="0" indent="0">
-              <a:buNone/>
-            </a:pPr>
-            <a:r>
-              <a:rPr lang="en-IN" dirty="0" err="1" smtClean="0"/>
+          </a:p>
+          <a:p>
+            <a:pPr marL="0" indent="0">
+              <a:buNone/>
+            </a:pPr>
+            <a:r>
+              <a:rPr lang="en-IN" dirty="0" err="1"/>
               <a:t>cout</a:t>
             </a:r>
             <a:r>
-              <a:rPr lang="en-IN" dirty="0" smtClean="0"/>
+              <a:rPr lang="en-IN" dirty="0"/>
+              <a:t> &lt;&lt; </a:t>
+            </a:r>
+            <a:r>
+              <a:rPr lang="en-IN" dirty="0" err="1"/>
+              <a:t>myQueue.front</a:t>
+            </a:r>
+            <a:r>
+              <a:rPr lang="en-IN" dirty="0"/>
+              <a:t>() &lt;&lt; " ";        </a:t>
+            </a:r>
+          </a:p>
+          <a:p>
+            <a:pPr marL="0" indent="0">
+              <a:buNone/>
+            </a:pPr>
+            <a:r>
+              <a:rPr lang="en-IN" dirty="0" err="1"/>
+              <a:t>myQueue.pop</a:t>
+            </a:r>
+            <a:r>
+              <a:rPr lang="en-IN" dirty="0"/>
+              <a:t>();    </a:t>
+            </a:r>
+          </a:p>
+          <a:p>
+            <a:pPr marL="0" indent="0">
+              <a:buNone/>
+            </a:pPr>
+            <a:r>
+              <a:rPr lang="en-IN" dirty="0"/>
+              <a:t>}    </a:t>
+            </a:r>
+          </a:p>
+          <a:p>
+            <a:pPr marL="0" indent="0">
+              <a:buNone/>
+            </a:pPr>
+            <a:r>
+              <a:rPr lang="en-IN" dirty="0" err="1"/>
+              <a:t>cout</a:t>
+            </a:r>
+            <a:r>
+              <a:rPr lang="en-IN" dirty="0"/>
+              <a:t> &lt;&lt; </a:t>
+            </a:r>
+            <a:r>
+              <a:rPr lang="en-IN" dirty="0" err="1"/>
+              <a:t>endl</a:t>
+            </a:r>
+            <a:r>
+              <a:rPr lang="en-IN" dirty="0"/>
+              <a:t>;</a:t>
+            </a:r>
+          </a:p>
+          <a:p>
+            <a:pPr marL="0" indent="0">
+              <a:buNone/>
+            </a:pPr>
+            <a:r>
+              <a:rPr lang="en-IN" dirty="0"/>
+              <a:t>}</a:t>
+            </a:r>
+          </a:p>
+          <a:p>
+            <a:pPr marL="0" indent="0">
+              <a:buNone/>
+            </a:pPr>
+            <a:r>
+              <a:rPr lang="en-IN" dirty="0" err="1"/>
+              <a:t>struct</a:t>
+            </a:r>
+            <a:r>
+              <a:rPr lang="en-IN" dirty="0"/>
               <a:t> </a:t>
             </a:r>
             <a:r>
-              <a:rPr lang="en-IN" dirty="0"/>
-              <a:t>&lt;&lt; </a:t>
-            </a:r>
-            <a:r>
-              <a:rPr lang="en-IN" dirty="0" err="1"/>
-              <a:t>myQueue.front</a:t>
-            </a:r>
-            <a:r>
-              <a:rPr lang="en-IN" dirty="0"/>
-              <a:t>() &lt;&lt; " ";        </a:t>
-            </a:r>
-            <a:endParaRPr lang="en-IN" dirty="0" smtClean="0"/>
-          </a:p>
-          <a:p>
-            <a:pPr marL="0" indent="0">
-              <a:buNone/>
-            </a:pPr>
-            <a:r>
-              <a:rPr lang="en-IN" dirty="0" err="1" smtClean="0"/>
-              <a:t>myQueue.pop</a:t>
-            </a:r>
-            <a:r>
-              <a:rPr lang="en-IN" dirty="0"/>
-              <a:t>();    </a:t>
-            </a:r>
-            <a:endParaRPr lang="en-IN" dirty="0" smtClean="0"/>
-          </a:p>
-          <a:p>
-            <a:pPr marL="0" indent="0">
-              <a:buNone/>
-            </a:pPr>
-            <a:r>
-              <a:rPr lang="en-IN" dirty="0" smtClean="0"/>
-              <a:t>}    </a:t>
-            </a:r>
-          </a:p>
-          <a:p>
-            <a:pPr marL="0" indent="0">
-              <a:buNone/>
-            </a:pPr>
-            <a:r>
-              <a:rPr lang="en-IN" dirty="0" err="1" smtClean="0"/>
-              <a:t>cout</a:t>
-            </a:r>
-            <a:r>
-              <a:rPr lang="en-IN" dirty="0" smtClean="0"/>
+              <a:rPr lang="en-IN" dirty="0" err="1"/>
+              <a:t>TreeNode</a:t>
+            </a:r>
+            <a:r>
+              <a:rPr lang="en-IN" dirty="0"/>
+              <a:t> {    </a:t>
+            </a:r>
+          </a:p>
+          <a:p>
+            <a:pPr marL="0" indent="0">
+              <a:buNone/>
+            </a:pPr>
+            <a:r>
+              <a:rPr lang="en-IN" dirty="0" err="1"/>
+              <a:t>int</a:t>
+            </a:r>
+            <a:r>
+              <a:rPr lang="en-IN" dirty="0"/>
+              <a:t> data;    </a:t>
+            </a:r>
+          </a:p>
+          <a:p>
+            <a:pPr marL="0" indent="0">
+              <a:buNone/>
+            </a:pPr>
+            <a:r>
+              <a:rPr lang="en-IN" dirty="0" err="1"/>
+              <a:t>TreeNode</a:t>
+            </a:r>
+            <a:r>
+              <a:rPr lang="en-IN" dirty="0"/>
+              <a:t>* left;    </a:t>
+            </a:r>
+          </a:p>
+          <a:p>
+            <a:pPr marL="0" indent="0">
+              <a:buNone/>
+            </a:pPr>
+            <a:r>
+              <a:rPr lang="en-IN" dirty="0" err="1"/>
+              <a:t>TreeNode</a:t>
+            </a:r>
+            <a:r>
+              <a:rPr lang="en-IN" dirty="0"/>
+              <a:t>* right;    </a:t>
+            </a:r>
+          </a:p>
+          <a:p>
+            <a:pPr marL="0" indent="0">
+              <a:buNone/>
+            </a:pPr>
+            <a:r>
+              <a:rPr lang="en-IN" dirty="0" err="1"/>
+              <a:t>TreeNode</a:t>
+            </a:r>
+            <a:r>
+              <a:rPr lang="en-IN" dirty="0"/>
+              <a:t>(</a:t>
+            </a:r>
+            <a:r>
+              <a:rPr lang="en-IN" dirty="0" err="1"/>
+              <a:t>int</a:t>
+            </a:r>
+            <a:r>
+              <a:rPr lang="en-IN" dirty="0"/>
               <a:t> </a:t>
             </a:r>
             <a:r>
-              <a:rPr lang="en-IN" dirty="0"/>
-              <a:t>&lt;&lt; </a:t>
-            </a:r>
-            <a:r>
-              <a:rPr lang="en-IN" dirty="0" err="1"/>
-              <a:t>endl</a:t>
-            </a:r>
-            <a:r>
-              <a:rPr lang="en-IN" dirty="0" smtClean="0"/>
-              <a:t>;</a:t>
-            </a:r>
-          </a:p>
-          <a:p>
-            <a:pPr marL="0" indent="0">
-              <a:buNone/>
-            </a:pPr>
-            <a:r>
-              <a:rPr lang="en-IN" dirty="0" smtClean="0"/>
-              <a:t>}</a:t>
-            </a:r>
-          </a:p>
-          <a:p>
-            <a:pPr marL="0" indent="0">
-              <a:buNone/>
-            </a:pPr>
-            <a:r>
-              <a:rPr lang="en-IN" dirty="0" err="1" smtClean="0"/>
-              <a:t>struct</a:t>
-            </a:r>
-            <a:r>
-              <a:rPr lang="en-IN" dirty="0" smtClean="0"/>
-              <a:t> </a:t>
-            </a:r>
-            <a:r>
-              <a:rPr lang="en-IN" dirty="0" err="1"/>
-              <a:t>TreeNode</a:t>
-            </a:r>
-            <a:r>
-              <a:rPr lang="en-IN" dirty="0"/>
-              <a:t> {    </a:t>
-            </a:r>
-            <a:endParaRPr lang="en-IN" dirty="0" smtClean="0"/>
-          </a:p>
-          <a:p>
-            <a:pPr marL="0" indent="0">
-              <a:buNone/>
-            </a:pPr>
-            <a:r>
-              <a:rPr lang="en-IN" dirty="0" err="1" smtClean="0"/>
-              <a:t>int</a:t>
-            </a:r>
-            <a:r>
-              <a:rPr lang="en-IN" dirty="0" smtClean="0"/>
-              <a:t> </a:t>
-            </a:r>
-            <a:r>
-              <a:rPr lang="en-IN" dirty="0"/>
-              <a:t>data;    </a:t>
-            </a:r>
-            <a:endParaRPr lang="en-IN" dirty="0" smtClean="0"/>
-          </a:p>
-          <a:p>
-            <a:pPr marL="0" indent="0">
-              <a:buNone/>
-            </a:pPr>
-            <a:r>
-              <a:rPr lang="en-IN" dirty="0" err="1" smtClean="0"/>
-              <a:t>TreeNode</a:t>
-            </a:r>
-            <a:r>
-              <a:rPr lang="en-IN" dirty="0"/>
-              <a:t>* left;    </a:t>
-            </a:r>
-            <a:endParaRPr lang="en-IN" dirty="0" smtClean="0"/>
-          </a:p>
-          <a:p>
-            <a:pPr marL="0" indent="0">
-              <a:buNone/>
-            </a:pPr>
-            <a:r>
-              <a:rPr lang="en-IN" dirty="0" err="1" smtClean="0"/>
-              <a:t>TreeNode</a:t>
-            </a:r>
-            <a:r>
-              <a:rPr lang="en-IN" dirty="0"/>
-              <a:t>* right;    </a:t>
-            </a:r>
-            <a:endParaRPr lang="en-IN" dirty="0" smtClean="0"/>
-          </a:p>
-          <a:p>
-            <a:pPr marL="0" indent="0">
-              <a:buNone/>
-            </a:pPr>
-            <a:r>
-              <a:rPr lang="en-IN" dirty="0" err="1" smtClean="0"/>
-              <a:t>TreeNode</a:t>
-            </a:r>
-            <a:r>
-              <a:rPr lang="en-IN" dirty="0" smtClean="0"/>
-              <a:t>(</a:t>
-            </a:r>
-            <a:r>
-              <a:rPr lang="en-IN" dirty="0" err="1" smtClean="0"/>
-              <a:t>int</a:t>
-            </a:r>
-            <a:r>
-              <a:rPr lang="en-IN" dirty="0" smtClean="0"/>
-              <a:t> </a:t>
-            </a:r>
-            <a:r>
               <a:rPr lang="en-IN" dirty="0" err="1"/>
               <a:t>val</a:t>
             </a:r>
@@ -5947,11 +5686,7 @@
             </a:r>
             <a:r>
               <a:rPr lang="en-IN" dirty="0"/>
-              <a:t>) </a:t>
-            </a:r>
-            <a:r>
-              <a:rPr lang="en-IN" dirty="0" smtClean="0"/>
-              <a:t>{}};</a:t>
+              <a:t>) {}};</a:t>
             </a:r>
           </a:p>
         </p:txBody>
@@ -6002,7 +5737,7 @@
           <a:lstStyle/>
           <a:p>
             <a:r>
-              <a:rPr lang="en-US" dirty="0" smtClean="0"/>
+              <a:rPr lang="en-US" dirty="0"/>
               <a:t>code</a:t>
             </a:r>
             <a:endParaRPr lang="en-IN" dirty="0"/>
@@ -6062,33 +5797,23 @@
               <a:rPr lang="en-IN" dirty="0"/>
               <a:t>) {    </a:t>
             </a:r>
-            <a:endParaRPr lang="en-IN" dirty="0" smtClean="0"/>
-          </a:p>
-          <a:p>
-            <a:pPr marL="0" indent="0">
-              <a:buNone/>
-            </a:pPr>
-            <a:r>
-              <a:rPr lang="en-IN" dirty="0" smtClean="0"/>
-              <a:t>if </a:t>
-            </a:r>
-            <a:r>
-              <a:rPr lang="en-IN" dirty="0"/>
-              <a:t>(!root) {        </a:t>
-            </a:r>
-            <a:endParaRPr lang="en-IN" dirty="0" smtClean="0"/>
-          </a:p>
-          <a:p>
-            <a:pPr marL="0" indent="0">
-              <a:buNone/>
-            </a:pPr>
-            <a:r>
-              <a:rPr lang="en-IN" dirty="0" smtClean="0"/>
-              <a:t>root </a:t>
-            </a:r>
-            <a:r>
-              <a:rPr lang="en-IN" dirty="0"/>
-              <a:t>= new </a:t>
+          </a:p>
+          <a:p>
+            <a:pPr marL="0" indent="0">
+              <a:buNone/>
+            </a:pPr>
+            <a:r>
+              <a:rPr lang="en-IN" dirty="0"/>
+              <a:t>if (!root) {        </a:t>
+            </a:r>
+          </a:p>
+          <a:p>
+            <a:pPr marL="0" indent="0">
+              <a:buNone/>
+            </a:pPr>
+            <a:r>
+              <a:rPr lang="en-IN" dirty="0"/>
+              <a:t>root = new </a:t>
             </a:r>
             <a:r>
               <a:rPr lang="en-IN" dirty="0" err="1"/>
@@ -6106,28 +5831,22 @@
               <a:rPr lang="en-IN" dirty="0"/>
               <a:t>);        </a:t>
             </a:r>
-            <a:endParaRPr lang="en-IN" dirty="0" smtClean="0"/>
-          </a:p>
-          <a:p>
-            <a:pPr marL="0" indent="0">
-              <a:buNone/>
-            </a:pPr>
-            <a:r>
-              <a:rPr lang="en-IN" dirty="0" smtClean="0"/>
-              <a:t>return</a:t>
-            </a:r>
-            <a:r>
-              <a:rPr lang="en-IN" dirty="0"/>
-              <a:t>;    </a:t>
-            </a:r>
-            <a:endParaRPr lang="en-IN" dirty="0" smtClean="0"/>
-          </a:p>
-          <a:p>
-            <a:pPr marL="0" indent="0">
-              <a:buNone/>
-            </a:pPr>
-            <a:r>
-              <a:rPr lang="en-IN" dirty="0" smtClean="0"/>
+          </a:p>
+          <a:p>
+            <a:pPr marL="0" indent="0">
+              <a:buNone/>
+            </a:pPr>
+            <a:r>
+              <a:rPr lang="en-IN" dirty="0"/>
+              <a:t>return;    </a:t>
+            </a:r>
+          </a:p>
+          <a:p>
+            <a:pPr marL="0" indent="0">
+              <a:buNone/>
+            </a:pPr>
+            <a:r>
+              <a:rPr lang="en-IN" dirty="0"/>
               <a:t>}    </a:t>
             </a:r>
           </a:p>
@@ -6136,12 +5855,8 @@
               <a:buNone/>
             </a:pPr>
             <a:r>
-              <a:rPr lang="en-IN" dirty="0" smtClean="0"/>
-              <a:t>if </a:t>
-            </a:r>
-            <a:r>
-              <a:rPr lang="en-IN" dirty="0"/>
-              <a:t>(</a:t>
+              <a:rPr lang="en-IN" dirty="0"/>
+              <a:t>if (</a:t>
             </a:r>
             <a:r>
               <a:rPr lang="en-IN" dirty="0" err="1"/>
@@ -6151,19 +5866,14 @@
               <a:rPr lang="en-IN" dirty="0"/>
               <a:t> &lt; root-&gt;data) {        </a:t>
             </a:r>
-            <a:endParaRPr lang="en-IN" dirty="0" smtClean="0"/>
-          </a:p>
-          <a:p>
-            <a:pPr marL="0" indent="0">
-              <a:buNone/>
-            </a:pPr>
-            <a:r>
-              <a:rPr lang="en-IN" dirty="0" smtClean="0"/>
-              <a:t>insert(root-</a:t>
-            </a:r>
-            <a:r>
-              <a:rPr lang="en-IN" dirty="0"/>
-              <a:t>&gt;left, </a:t>
+          </a:p>
+          <a:p>
+            <a:pPr marL="0" indent="0">
+              <a:buNone/>
+            </a:pPr>
+            <a:r>
+              <a:rPr lang="en-IN" dirty="0"/>
+              <a:t>insert(root-&gt;left, </a:t>
             </a:r>
             <a:r>
               <a:rPr lang="en-IN" dirty="0" err="1"/>
@@ -6173,28 +5883,22 @@
               <a:rPr lang="en-IN" dirty="0"/>
               <a:t>);    </a:t>
             </a:r>
-            <a:endParaRPr lang="en-IN" dirty="0" smtClean="0"/>
-          </a:p>
-          <a:p>
-            <a:pPr marL="0" indent="0">
-              <a:buNone/>
-            </a:pPr>
-            <a:r>
-              <a:rPr lang="en-IN" dirty="0" smtClean="0"/>
-              <a:t>} </a:t>
-            </a:r>
-            <a:r>
-              <a:rPr lang="en-IN" dirty="0"/>
-              <a:t>else </a:t>
-            </a:r>
-            <a:endParaRPr lang="en-IN" dirty="0" smtClean="0"/>
-          </a:p>
-          <a:p>
-            <a:pPr marL="0" indent="0">
-              <a:buNone/>
-            </a:pPr>
-            <a:r>
-              <a:rPr lang="en-IN" dirty="0" smtClean="0"/>
+          </a:p>
+          <a:p>
+            <a:pPr marL="0" indent="0">
+              <a:buNone/>
+            </a:pPr>
+            <a:r>
+              <a:rPr lang="en-IN" dirty="0"/>
+              <a:t>} else </a:t>
+            </a:r>
+          </a:p>
+          <a:p>
+            <a:pPr marL="0" indent="0">
+              <a:buNone/>
+            </a:pPr>
+            <a:r>
+              <a:rPr lang="en-IN" dirty="0"/>
               <a:t>{        </a:t>
             </a:r>
           </a:p>
@@ -6203,12 +5907,8 @@
               <a:buNone/>
             </a:pPr>
             <a:r>
-              <a:rPr lang="en-IN" dirty="0" smtClean="0"/>
-              <a:t>insert(root-</a:t>
-            </a:r>
-            <a:r>
-              <a:rPr lang="en-IN" dirty="0"/>
-              <a:t>&gt;right, </a:t>
+              <a:rPr lang="en-IN" dirty="0"/>
+              <a:t>insert(root-&gt;right, </a:t>
             </a:r>
             <a:r>
               <a:rPr lang="en-IN" dirty="0" err="1"/>
@@ -6218,14 +5918,13 @@
               <a:rPr lang="en-IN" dirty="0"/>
               <a:t>);    </a:t>
             </a:r>
-            <a:endParaRPr lang="en-IN" dirty="0" smtClean="0"/>
-          </a:p>
-          <a:p>
-            <a:pPr marL="0" indent="0">
-              <a:buNone/>
-            </a:pPr>
-            <a:r>
-              <a:rPr lang="en-IN" dirty="0" smtClean="0"/>
+          </a:p>
+          <a:p>
+            <a:pPr marL="0" indent="0">
+              <a:buNone/>
+            </a:pPr>
+            <a:r>
+              <a:rPr lang="en-IN" dirty="0"/>
               <a:t>}}</a:t>
             </a:r>
           </a:p>
@@ -6277,7 +5976,7 @@
           <a:lstStyle/>
           <a:p>
             <a:r>
-              <a:rPr lang="en-US" dirty="0" smtClean="0"/>
+              <a:rPr lang="en-US" dirty="0"/>
               <a:t>code</a:t>
             </a:r>
             <a:endParaRPr lang="en-IN" dirty="0"/>
@@ -6324,14 +6023,13 @@
               <a:rPr lang="en-IN" dirty="0"/>
               <a:t>* root) </a:t>
             </a:r>
-            <a:endParaRPr lang="en-IN" dirty="0" smtClean="0"/>
-          </a:p>
-          <a:p>
-            <a:pPr marL="0" indent="0">
-              <a:buNone/>
-            </a:pPr>
-            <a:r>
-              <a:rPr lang="en-IN" dirty="0" smtClean="0"/>
+          </a:p>
+          <a:p>
+            <a:pPr marL="0" indent="0">
+              <a:buNone/>
+            </a:pPr>
+            <a:r>
+              <a:rPr lang="en-IN" dirty="0"/>
               <a:t>{    </a:t>
             </a:r>
           </a:p>
@@ -6340,80 +6038,56 @@
               <a:buNone/>
             </a:pPr>
             <a:r>
-              <a:rPr lang="en-IN" dirty="0" smtClean="0"/>
-              <a:t>if </a:t>
-            </a:r>
-            <a:r>
-              <a:rPr lang="en-IN" dirty="0"/>
-              <a:t>(root) {        </a:t>
-            </a:r>
-            <a:endParaRPr lang="en-IN" dirty="0" smtClean="0"/>
-          </a:p>
-          <a:p>
-            <a:pPr marL="0" indent="0">
-              <a:buNone/>
-            </a:pPr>
-            <a:r>
-              <a:rPr lang="en-IN" dirty="0" err="1" smtClean="0"/>
+              <a:rPr lang="en-IN" dirty="0"/>
+              <a:t>if (root) {        </a:t>
+            </a:r>
+          </a:p>
+          <a:p>
+            <a:pPr marL="0" indent="0">
+              <a:buNone/>
+            </a:pPr>
+            <a:r>
+              <a:rPr lang="en-IN" dirty="0" err="1"/>
               <a:t>inOrderTraversal</a:t>
             </a:r>
             <a:r>
-              <a:rPr lang="en-IN" dirty="0" smtClean="0"/>
-              <a:t>(root-</a:t>
-            </a:r>
-            <a:r>
-              <a:rPr lang="en-IN" dirty="0"/>
-              <a:t>&gt;left);        </a:t>
-            </a:r>
-            <a:endParaRPr lang="en-IN" dirty="0" smtClean="0"/>
-          </a:p>
-          <a:p>
-            <a:pPr marL="0" indent="0">
-              <a:buNone/>
-            </a:pPr>
-            <a:r>
-              <a:rPr lang="en-IN" dirty="0" err="1" smtClean="0"/>
+              <a:rPr lang="en-IN" dirty="0"/>
+              <a:t>(root-&gt;left);        </a:t>
+            </a:r>
+          </a:p>
+          <a:p>
+            <a:pPr marL="0" indent="0">
+              <a:buNone/>
+            </a:pPr>
+            <a:r>
+              <a:rPr lang="en-IN" dirty="0" err="1"/>
               <a:t>cout</a:t>
             </a:r>
             <a:r>
-              <a:rPr lang="en-IN" dirty="0" smtClean="0"/>
-              <a:t> </a:t>
-            </a:r>
-            <a:r>
-              <a:rPr lang="en-IN" dirty="0"/>
-              <a:t>&lt;&lt; root-&gt;data &lt;&lt; " ";        </a:t>
-            </a:r>
-            <a:endParaRPr lang="en-IN" dirty="0" smtClean="0"/>
-          </a:p>
-          <a:p>
-            <a:pPr marL="0" indent="0">
-              <a:buNone/>
-            </a:pPr>
-            <a:r>
-              <a:rPr lang="en-IN" dirty="0" err="1" smtClean="0"/>
+              <a:rPr lang="en-IN" dirty="0"/>
+              <a:t> &lt;&lt; root-&gt;data &lt;&lt; " ";        </a:t>
+            </a:r>
+          </a:p>
+          <a:p>
+            <a:pPr marL="0" indent="0">
+              <a:buNone/>
+            </a:pPr>
+            <a:r>
+              <a:rPr lang="en-IN" dirty="0" err="1"/>
               <a:t>inOrderTraversal</a:t>
             </a:r>
             <a:r>
-              <a:rPr lang="en-IN" dirty="0" smtClean="0"/>
-              <a:t>(root-</a:t>
-            </a:r>
-            <a:r>
-              <a:rPr lang="en-IN" dirty="0"/>
-              <a:t>&gt;right);    </a:t>
-            </a:r>
-            <a:endParaRPr lang="en-IN" dirty="0" smtClean="0"/>
-          </a:p>
-          <a:p>
-            <a:pPr marL="0" indent="0">
-              <a:buNone/>
-            </a:pPr>
-            <a:r>
-              <a:rPr lang="en-IN" dirty="0" smtClean="0"/>
-              <a:t>}}</a:t>
-            </a:r>
-            <a:r>
-              <a:rPr lang="en-IN" dirty="0"/>
-              <a:t>void </a:t>
+              <a:rPr lang="en-IN" dirty="0"/>
+              <a:t>(root-&gt;right);    </a:t>
+            </a:r>
+          </a:p>
+          <a:p>
+            <a:pPr marL="0" indent="0">
+              <a:buNone/>
+            </a:pPr>
+            <a:r>
+              <a:rPr lang="en-IN" dirty="0"/>
+              <a:t>}}void </a:t>
             </a:r>
             <a:r>
               <a:rPr lang="en-IN" dirty="0" err="1"/>
@@ -6423,14 +6097,13 @@
               <a:rPr lang="en-IN" dirty="0"/>
               <a:t>() </a:t>
             </a:r>
-            <a:endParaRPr lang="en-IN" dirty="0" smtClean="0"/>
-          </a:p>
-          <a:p>
-            <a:pPr marL="0" indent="0">
-              <a:buNone/>
-            </a:pPr>
-            <a:r>
-              <a:rPr lang="en-IN" dirty="0" smtClean="0"/>
+          </a:p>
+          <a:p>
+            <a:pPr marL="0" indent="0">
+              <a:buNone/>
+            </a:pPr>
+            <a:r>
+              <a:rPr lang="en-IN" dirty="0"/>
               <a:t>{    </a:t>
             </a:r>
           </a:p>
@@ -6439,16 +6112,12 @@
               <a:buNone/>
             </a:pPr>
             <a:r>
-              <a:rPr lang="en-IN" dirty="0" err="1" smtClean="0"/>
+              <a:rPr lang="en-IN" dirty="0" err="1"/>
               <a:t>int</a:t>
             </a:r>
             <a:r>
-              <a:rPr lang="en-IN" dirty="0" smtClean="0"/>
-              <a:t> </a:t>
-            </a:r>
-            <a:r>
-              <a:rPr lang="en-IN" dirty="0"/>
-              <a:t>size, </a:t>
+              <a:rPr lang="en-IN" dirty="0"/>
+              <a:t> size, </a:t>
             </a:r>
             <a:r>
               <a:rPr lang="en-IN" dirty="0" err="1"/>
@@ -6458,25 +6127,19 @@
               <a:rPr lang="en-IN" dirty="0"/>
               <a:t>;    </a:t>
             </a:r>
-            <a:endParaRPr lang="en-IN" dirty="0" smtClean="0"/>
-          </a:p>
-          <a:p>
-            <a:pPr marL="0" indent="0">
-              <a:buNone/>
-            </a:pPr>
-            <a:r>
-              <a:rPr lang="en-IN" dirty="0" err="1" smtClean="0"/>
+          </a:p>
+          <a:p>
+            <a:pPr marL="0" indent="0">
+              <a:buNone/>
+            </a:pPr>
+            <a:r>
+              <a:rPr lang="en-IN" dirty="0" err="1"/>
               <a:t>cout</a:t>
             </a:r>
             <a:r>
-              <a:rPr lang="en-IN" dirty="0" smtClean="0"/>
-              <a:t> </a:t>
-            </a:r>
-            <a:r>
-              <a:rPr lang="en-IN" dirty="0"/>
-              <a:t>&lt;&lt; "Enter the number of elements for the binary tree: ";    </a:t>
-            </a:r>
-            <a:endParaRPr lang="en-IN" dirty="0" smtClean="0"/>
+              <a:rPr lang="en-IN" dirty="0"/>
+              <a:t> &lt;&lt; "Enter the number of elements for the binary tree: ";    </a:t>
+            </a:r>
           </a:p>
         </p:txBody>
       </p:sp>
@@ -6557,7 +6220,6 @@
               <a:rPr lang="en-IN" dirty="0"/>
               <a:t>This system leverages technology to efficiently manage the diverse tasks associated with running a gallery, including artwork inventory, artist information, exhibitions, sales, customer interactions, and overall gallery operations.</a:t>
             </a:r>
-            <a:endParaRPr lang="en-IN" dirty="0"/>
           </a:p>
         </p:txBody>
       </p:sp>
@@ -6607,7 +6269,7 @@
           <a:lstStyle/>
           <a:p>
             <a:r>
-              <a:rPr lang="en-US" dirty="0" smtClean="0"/>
+              <a:rPr lang="en-US" dirty="0"/>
               <a:t>code</a:t>
             </a:r>
             <a:endParaRPr lang="en-IN" dirty="0"/>
@@ -6642,14 +6304,13 @@
               <a:rPr lang="en-IN" dirty="0"/>
               <a:t> &gt;&gt; size;    </a:t>
             </a:r>
-            <a:endParaRPr lang="en-IN" dirty="0" smtClean="0"/>
-          </a:p>
-          <a:p>
-            <a:pPr marL="0" indent="0">
-              <a:buNone/>
-            </a:pPr>
-            <a:r>
-              <a:rPr lang="en-IN" dirty="0" err="1" smtClean="0"/>
+          </a:p>
+          <a:p>
+            <a:pPr marL="0" indent="0">
+              <a:buNone/>
+            </a:pPr>
+            <a:r>
+              <a:rPr lang="en-IN" dirty="0" err="1"/>
               <a:t>TreeNode</a:t>
             </a:r>
             <a:r>
@@ -6664,47 +6325,37 @@
               <a:rPr lang="en-IN" dirty="0"/>
               <a:t>;    </a:t>
             </a:r>
-            <a:endParaRPr lang="en-IN" dirty="0" smtClean="0"/>
-          </a:p>
-          <a:p>
-            <a:pPr marL="0" indent="0">
-              <a:buNone/>
-            </a:pPr>
-            <a:r>
-              <a:rPr lang="en-IN" dirty="0" err="1" smtClean="0"/>
+          </a:p>
+          <a:p>
+            <a:pPr marL="0" indent="0">
+              <a:buNone/>
+            </a:pPr>
+            <a:r>
+              <a:rPr lang="en-IN" dirty="0" err="1"/>
               <a:t>cout</a:t>
             </a:r>
             <a:r>
-              <a:rPr lang="en-IN" dirty="0" smtClean="0"/>
+              <a:rPr lang="en-IN" dirty="0"/>
+              <a:t> &lt;&lt; "Enter " &lt;&lt; size &lt;&lt; " integers for the binary tree:\n";    </a:t>
+            </a:r>
+          </a:p>
+          <a:p>
+            <a:pPr marL="0" indent="0">
+              <a:buNone/>
+            </a:pPr>
+            <a:r>
+              <a:rPr lang="en-IN" dirty="0"/>
+              <a:t>for (</a:t>
+            </a:r>
+            <a:r>
+              <a:rPr lang="en-IN" dirty="0" err="1"/>
+              <a:t>int</a:t>
+            </a:r>
+            <a:r>
+              <a:rPr lang="en-IN" dirty="0"/>
               <a:t> </a:t>
             </a:r>
             <a:r>
-              <a:rPr lang="en-IN" dirty="0"/>
-              <a:t>&lt;&lt; "Enter " &lt;&lt; size &lt;&lt; " integers for the binary tree:\n";    </a:t>
-            </a:r>
-            <a:endParaRPr lang="en-IN" dirty="0" smtClean="0"/>
-          </a:p>
-          <a:p>
-            <a:pPr marL="0" indent="0">
-              <a:buNone/>
-            </a:pPr>
-            <a:r>
-              <a:rPr lang="en-IN" dirty="0" smtClean="0"/>
-              <a:t>for </a:t>
-            </a:r>
-            <a:r>
-              <a:rPr lang="en-IN" dirty="0"/>
-              <a:t>(</a:t>
-            </a:r>
-            <a:r>
-              <a:rPr lang="en-IN" dirty="0" err="1"/>
-              <a:t>int</a:t>
-            </a:r>
-            <a:r>
-              <a:rPr lang="en-IN" dirty="0"/>
-              <a:t> </a:t>
-            </a:r>
-            <a:r>
               <a:rPr lang="en-IN" dirty="0" err="1"/>
               <a:t>i</a:t>
             </a:r>
@@ -6728,23 +6379,18 @@
               <a:rPr lang="en-IN" dirty="0"/>
               <a:t>) {        </a:t>
             </a:r>
-            <a:endParaRPr lang="en-IN" dirty="0" smtClean="0"/>
-          </a:p>
-          <a:p>
-            <a:pPr marL="0" indent="0">
-              <a:buNone/>
-            </a:pPr>
-            <a:r>
-              <a:rPr lang="en-IN" dirty="0" err="1" smtClean="0"/>
+          </a:p>
+          <a:p>
+            <a:pPr marL="0" indent="0">
+              <a:buNone/>
+            </a:pPr>
+            <a:r>
+              <a:rPr lang="en-IN" dirty="0" err="1"/>
               <a:t>cin</a:t>
             </a:r>
             <a:r>
-              <a:rPr lang="en-IN" dirty="0" smtClean="0"/>
-              <a:t> </a:t>
-            </a:r>
-            <a:r>
-              <a:rPr lang="en-IN" dirty="0"/>
-              <a:t>&gt;&gt; </a:t>
+              <a:rPr lang="en-IN" dirty="0"/>
+              <a:t> &gt;&gt; </a:t>
             </a:r>
             <a:r>
               <a:rPr lang="en-IN" dirty="0" err="1"/>
@@ -6754,19 +6400,14 @@
               <a:rPr lang="en-IN" dirty="0"/>
               <a:t>;        </a:t>
             </a:r>
-            <a:endParaRPr lang="en-IN" dirty="0" smtClean="0"/>
-          </a:p>
-          <a:p>
-            <a:pPr marL="0" indent="0">
-              <a:buNone/>
-            </a:pPr>
-            <a:r>
-              <a:rPr lang="en-IN" dirty="0" smtClean="0"/>
-              <a:t>insert(root</a:t>
-            </a:r>
-            <a:r>
-              <a:rPr lang="en-IN" dirty="0"/>
-              <a:t>, </a:t>
+          </a:p>
+          <a:p>
+            <a:pPr marL="0" indent="0">
+              <a:buNone/>
+            </a:pPr>
+            <a:r>
+              <a:rPr lang="en-IN" dirty="0"/>
+              <a:t>insert(root, </a:t>
             </a:r>
             <a:r>
               <a:rPr lang="en-IN" dirty="0" err="1"/>
@@ -6776,14 +6417,13 @@
               <a:rPr lang="en-IN" dirty="0"/>
               <a:t>);    </a:t>
             </a:r>
-            <a:endParaRPr lang="en-IN" dirty="0" smtClean="0"/>
-          </a:p>
-          <a:p>
-            <a:pPr marL="0" indent="0">
-              <a:buNone/>
-            </a:pPr>
-            <a:r>
-              <a:rPr lang="en-IN" dirty="0" smtClean="0"/>
+          </a:p>
+          <a:p>
+            <a:pPr marL="0" indent="0">
+              <a:buNone/>
+            </a:pPr>
+            <a:r>
+              <a:rPr lang="en-IN" dirty="0"/>
               <a:t>}    </a:t>
             </a:r>
           </a:p>
@@ -6792,36 +6432,26 @@
               <a:buNone/>
             </a:pPr>
             <a:r>
-              <a:rPr lang="en-IN" dirty="0" err="1" smtClean="0"/>
+              <a:rPr lang="en-IN" dirty="0" err="1"/>
               <a:t>cout</a:t>
             </a:r>
             <a:r>
-              <a:rPr lang="en-IN" dirty="0" smtClean="0"/>
-              <a:t> </a:t>
-            </a:r>
-            <a:r>
-              <a:rPr lang="en-IN" dirty="0"/>
-              <a:t>&lt;&lt; "In-order traversal of binary tree: ";    </a:t>
-            </a:r>
-            <a:endParaRPr lang="en-IN" dirty="0" smtClean="0"/>
-          </a:p>
-          <a:p>
-            <a:pPr marL="0" indent="0">
-              <a:buNone/>
-            </a:pPr>
-            <a:r>
-              <a:rPr lang="en-IN" dirty="0" err="1" smtClean="0"/>
+              <a:rPr lang="en-IN" dirty="0"/>
+              <a:t> &lt;&lt; "In-order traversal of binary tree: ";    </a:t>
+            </a:r>
+          </a:p>
+          <a:p>
+            <a:pPr marL="0" indent="0">
+              <a:buNone/>
+            </a:pPr>
+            <a:r>
+              <a:rPr lang="en-IN" dirty="0" err="1"/>
               <a:t>inOrderTraversal</a:t>
             </a:r>
             <a:r>
-              <a:rPr lang="en-IN" dirty="0" smtClean="0"/>
-              <a:t>(root</a:t>
-            </a:r>
-            <a:r>
-              <a:rPr lang="en-IN" dirty="0"/>
-              <a:t>);    </a:t>
-            </a:r>
-            <a:endParaRPr lang="en-IN" dirty="0" smtClean="0"/>
+              <a:rPr lang="en-IN" dirty="0"/>
+              <a:t>(root);    </a:t>
+            </a:r>
           </a:p>
         </p:txBody>
       </p:sp>
@@ -6871,7 +6501,7 @@
           <a:lstStyle/>
           <a:p>
             <a:r>
-              <a:rPr lang="en-US" dirty="0" smtClean="0"/>
+              <a:rPr lang="en-US" dirty="0"/>
               <a:t>code</a:t>
             </a:r>
             <a:endParaRPr lang="en-IN" dirty="0"/>
@@ -6911,7 +6541,7 @@
               <a:t>endl</a:t>
             </a:r>
             <a:r>
-              <a:rPr lang="en-IN" dirty="0" smtClean="0"/>
+              <a:rPr lang="en-IN" dirty="0"/>
               <a:t>;</a:t>
             </a:r>
           </a:p>
@@ -6920,7 +6550,7 @@
               <a:buNone/>
             </a:pPr>
             <a:r>
-              <a:rPr lang="en-IN" dirty="0" smtClean="0"/>
+              <a:rPr lang="en-IN" dirty="0"/>
               <a:t>}</a:t>
             </a:r>
             <a:r>
@@ -6931,14 +6561,13 @@
               <a:rPr lang="en-IN" dirty="0"/>
               <a:t> main() </a:t>
             </a:r>
-            <a:endParaRPr lang="en-IN" dirty="0" smtClean="0"/>
-          </a:p>
-          <a:p>
-            <a:pPr marL="0" indent="0">
-              <a:buNone/>
-            </a:pPr>
-            <a:r>
-              <a:rPr lang="en-IN" dirty="0" smtClean="0"/>
+          </a:p>
+          <a:p>
+            <a:pPr marL="0" indent="0">
+              <a:buNone/>
+            </a:pPr>
+            <a:r>
+              <a:rPr lang="en-IN" dirty="0"/>
               <a:t>{    </a:t>
             </a:r>
           </a:p>
@@ -6947,126 +6576,91 @@
               <a:buNone/>
             </a:pPr>
             <a:r>
-              <a:rPr lang="en-IN" dirty="0" err="1" smtClean="0"/>
+              <a:rPr lang="en-IN" dirty="0" err="1"/>
               <a:t>int</a:t>
             </a:r>
             <a:r>
-              <a:rPr lang="en-IN" dirty="0" smtClean="0"/>
-              <a:t> </a:t>
-            </a:r>
-            <a:r>
-              <a:rPr lang="en-IN" dirty="0"/>
-              <a:t>choice;    </a:t>
-            </a:r>
-            <a:endParaRPr lang="en-IN" dirty="0" smtClean="0"/>
-          </a:p>
-          <a:p>
-            <a:pPr marL="0" indent="0">
-              <a:buNone/>
-            </a:pPr>
-            <a:r>
-              <a:rPr lang="en-IN" dirty="0" err="1" smtClean="0"/>
+              <a:rPr lang="en-IN" dirty="0"/>
+              <a:t> choice;    </a:t>
+            </a:r>
+          </a:p>
+          <a:p>
+            <a:pPr marL="0" indent="0">
+              <a:buNone/>
+            </a:pPr>
+            <a:r>
+              <a:rPr lang="en-IN" dirty="0" err="1"/>
               <a:t>cout</a:t>
             </a:r>
             <a:r>
-              <a:rPr lang="en-IN" dirty="0" smtClean="0"/>
-              <a:t> </a:t>
-            </a:r>
-            <a:r>
-              <a:rPr lang="en-IN" dirty="0"/>
-              <a:t>&lt;&lt; "Choose a data structure to interact with:\n";    </a:t>
-            </a:r>
-            <a:endParaRPr lang="en-IN" dirty="0" smtClean="0"/>
-          </a:p>
-          <a:p>
-            <a:pPr marL="0" indent="0">
-              <a:buNone/>
-            </a:pPr>
-            <a:r>
-              <a:rPr lang="en-IN" dirty="0" err="1" smtClean="0"/>
+              <a:rPr lang="en-IN" dirty="0"/>
+              <a:t> &lt;&lt; "Choose a data structure to interact with:\n";    </a:t>
+            </a:r>
+          </a:p>
+          <a:p>
+            <a:pPr marL="0" indent="0">
+              <a:buNone/>
+            </a:pPr>
+            <a:r>
+              <a:rPr lang="en-IN" dirty="0" err="1"/>
               <a:t>cout</a:t>
             </a:r>
             <a:r>
-              <a:rPr lang="en-IN" dirty="0" smtClean="0"/>
-              <a:t> </a:t>
-            </a:r>
-            <a:r>
-              <a:rPr lang="en-IN" dirty="0"/>
-              <a:t>&lt;&lt; "1. List\n";    </a:t>
-            </a:r>
-            <a:endParaRPr lang="en-IN" dirty="0" smtClean="0"/>
-          </a:p>
-          <a:p>
-            <a:pPr marL="0" indent="0">
-              <a:buNone/>
-            </a:pPr>
-            <a:r>
-              <a:rPr lang="en-IN" dirty="0" err="1" smtClean="0"/>
+              <a:rPr lang="en-IN" dirty="0"/>
+              <a:t> &lt;&lt; "1. List\n";    </a:t>
+            </a:r>
+          </a:p>
+          <a:p>
+            <a:pPr marL="0" indent="0">
+              <a:buNone/>
+            </a:pPr>
+            <a:r>
+              <a:rPr lang="en-IN" dirty="0" err="1"/>
               <a:t>cout</a:t>
             </a:r>
             <a:r>
-              <a:rPr lang="en-IN" dirty="0" smtClean="0"/>
-              <a:t> </a:t>
-            </a:r>
-            <a:r>
-              <a:rPr lang="en-IN" dirty="0"/>
-              <a:t>&lt;&lt; "2. Linked List\n";    </a:t>
-            </a:r>
-            <a:endParaRPr lang="en-IN" dirty="0" smtClean="0"/>
-          </a:p>
-          <a:p>
-            <a:pPr marL="0" indent="0">
-              <a:buNone/>
-            </a:pPr>
-            <a:r>
-              <a:rPr lang="en-IN" dirty="0" err="1" smtClean="0"/>
+              <a:rPr lang="en-IN" dirty="0"/>
+              <a:t> &lt;&lt; "2. Linked List\n";    </a:t>
+            </a:r>
+          </a:p>
+          <a:p>
+            <a:pPr marL="0" indent="0">
+              <a:buNone/>
+            </a:pPr>
+            <a:r>
+              <a:rPr lang="en-IN" dirty="0" err="1"/>
               <a:t>cout</a:t>
             </a:r>
             <a:r>
-              <a:rPr lang="en-IN" dirty="0" smtClean="0"/>
-              <a:t> </a:t>
-            </a:r>
-            <a:r>
-              <a:rPr lang="en-IN" dirty="0"/>
-              <a:t>&lt;&lt; "3. Array\n";    </a:t>
-            </a:r>
-            <a:endParaRPr lang="en-IN" dirty="0" smtClean="0"/>
-          </a:p>
-          <a:p>
-            <a:pPr marL="0" indent="0">
-              <a:buNone/>
-            </a:pPr>
-            <a:r>
-              <a:rPr lang="en-IN" dirty="0" err="1" smtClean="0"/>
+              <a:rPr lang="en-IN" dirty="0"/>
+              <a:t> &lt;&lt; "3. Array\n";    </a:t>
+            </a:r>
+          </a:p>
+          <a:p>
+            <a:pPr marL="0" indent="0">
+              <a:buNone/>
+            </a:pPr>
+            <a:r>
+              <a:rPr lang="en-IN" dirty="0" err="1"/>
               <a:t>cout</a:t>
             </a:r>
             <a:r>
-              <a:rPr lang="en-IN" dirty="0" smtClean="0"/>
-              <a:t> </a:t>
-            </a:r>
-            <a:r>
-              <a:rPr lang="en-IN" dirty="0"/>
-              <a:t>&lt;&lt; "4. Stack\n";    </a:t>
-            </a:r>
-            <a:endParaRPr lang="en-IN" dirty="0" smtClean="0"/>
-          </a:p>
-          <a:p>
-            <a:pPr marL="0" indent="0">
-              <a:buNone/>
-            </a:pPr>
-            <a:r>
-              <a:rPr lang="en-IN" dirty="0" err="1" smtClean="0"/>
+              <a:rPr lang="en-IN" dirty="0"/>
+              <a:t> &lt;&lt; "4. Stack\n";    </a:t>
+            </a:r>
+          </a:p>
+          <a:p>
+            <a:pPr marL="0" indent="0">
+              <a:buNone/>
+            </a:pPr>
+            <a:r>
+              <a:rPr lang="en-IN" dirty="0" err="1"/>
               <a:t>cout</a:t>
             </a:r>
             <a:r>
-              <a:rPr lang="en-IN" dirty="0" smtClean="0"/>
-              <a:t> </a:t>
-            </a:r>
-            <a:r>
-              <a:rPr lang="en-IN" dirty="0"/>
-              <a:t>&lt;&lt; "5. Queue\n";    </a:t>
-            </a:r>
-            <a:endParaRPr lang="en-IN" dirty="0" smtClean="0"/>
+              <a:rPr lang="en-IN" dirty="0"/>
+              <a:t> &lt;&lt; "5. Queue\n";    </a:t>
+            </a:r>
           </a:p>
         </p:txBody>
       </p:sp>
@@ -7116,7 +6710,7 @@
           <a:lstStyle/>
           <a:p>
             <a:r>
-              <a:rPr lang="en-US" dirty="0" smtClean="0"/>
+              <a:rPr lang="en-US" dirty="0"/>
               <a:t>code</a:t>
             </a:r>
             <a:endParaRPr lang="en-IN" dirty="0"/>
@@ -7156,69 +6750,49 @@
               <a:rPr lang="en-IN" dirty="0"/>
               <a:t> &lt;&lt; "6. Binary Tree\n";    </a:t>
             </a:r>
-            <a:endParaRPr lang="en-IN" dirty="0" smtClean="0"/>
-          </a:p>
-          <a:p>
-            <a:pPr marL="0" indent="0">
-              <a:buNone/>
-            </a:pPr>
-            <a:r>
-              <a:rPr lang="en-IN" dirty="0" err="1" smtClean="0"/>
+          </a:p>
+          <a:p>
+            <a:pPr marL="0" indent="0">
+              <a:buNone/>
+            </a:pPr>
+            <a:r>
+              <a:rPr lang="en-IN" dirty="0" err="1"/>
               <a:t>cout</a:t>
             </a:r>
             <a:r>
-              <a:rPr lang="en-IN" dirty="0" smtClean="0"/>
-              <a:t> </a:t>
-            </a:r>
-            <a:r>
-              <a:rPr lang="en-IN" dirty="0"/>
-              <a:t>&lt;&lt; "Enter your choice: ";    </a:t>
-            </a:r>
-            <a:endParaRPr lang="en-IN" dirty="0" smtClean="0"/>
-          </a:p>
-          <a:p>
-            <a:pPr marL="0" indent="0">
-              <a:buNone/>
-            </a:pPr>
-            <a:r>
-              <a:rPr lang="en-IN" dirty="0" err="1" smtClean="0"/>
+              <a:rPr lang="en-IN" dirty="0"/>
+              <a:t> &lt;&lt; "Enter your choice: ";    </a:t>
+            </a:r>
+          </a:p>
+          <a:p>
+            <a:pPr marL="0" indent="0">
+              <a:buNone/>
+            </a:pPr>
+            <a:r>
+              <a:rPr lang="en-IN" dirty="0" err="1"/>
               <a:t>cin</a:t>
             </a:r>
             <a:r>
-              <a:rPr lang="en-IN" dirty="0" smtClean="0"/>
-              <a:t> </a:t>
-            </a:r>
-            <a:r>
-              <a:rPr lang="en-IN" dirty="0"/>
-              <a:t>&gt;&gt; choice;    </a:t>
-            </a:r>
-            <a:endParaRPr lang="en-IN" dirty="0" smtClean="0"/>
-          </a:p>
-          <a:p>
-            <a:pPr marL="0" indent="0">
-              <a:buNone/>
-            </a:pPr>
-            <a:r>
-              <a:rPr lang="en-IN" dirty="0" smtClean="0"/>
-              <a:t>switch </a:t>
-            </a:r>
-            <a:r>
-              <a:rPr lang="en-IN" dirty="0"/>
-              <a:t>(choice) {        </a:t>
-            </a:r>
-            <a:endParaRPr lang="en-IN" dirty="0" smtClean="0"/>
-          </a:p>
-          <a:p>
-            <a:pPr marL="0" indent="0">
-              <a:buNone/>
-            </a:pPr>
-            <a:r>
-              <a:rPr lang="en-IN" dirty="0" smtClean="0"/>
-              <a:t>case </a:t>
-            </a:r>
-            <a:r>
-              <a:rPr lang="en-IN" dirty="0"/>
-              <a:t>1:            </a:t>
+              <a:rPr lang="en-IN" dirty="0"/>
+              <a:t> &gt;&gt; choice;    </a:t>
+            </a:r>
+          </a:p>
+          <a:p>
+            <a:pPr marL="0" indent="0">
+              <a:buNone/>
+            </a:pPr>
+            <a:r>
+              <a:rPr lang="en-IN" dirty="0"/>
+              <a:t>switch (choice) {        </a:t>
+            </a:r>
+          </a:p>
+          <a:p>
+            <a:pPr marL="0" indent="0">
+              <a:buNone/>
+            </a:pPr>
+            <a:r>
+              <a:rPr lang="en-IN" dirty="0"/>
+              <a:t>case 1:            </a:t>
             </a:r>
             <a:r>
               <a:rPr lang="en-IN" dirty="0" err="1"/>
@@ -7228,33 +6802,23 @@
               <a:rPr lang="en-IN" dirty="0"/>
               <a:t>();            </a:t>
             </a:r>
-            <a:endParaRPr lang="en-IN" dirty="0" smtClean="0"/>
-          </a:p>
-          <a:p>
-            <a:pPr marL="0" indent="0">
-              <a:buNone/>
-            </a:pPr>
-            <a:r>
-              <a:rPr lang="en-IN" dirty="0" smtClean="0"/>
-              <a:t>break</a:t>
-            </a:r>
-            <a:r>
-              <a:rPr lang="en-IN" dirty="0"/>
-              <a:t>;        </a:t>
-            </a:r>
-            <a:endParaRPr lang="en-IN" dirty="0" smtClean="0"/>
-          </a:p>
-          <a:p>
-            <a:pPr marL="0" indent="0">
-              <a:buNone/>
-            </a:pPr>
-            <a:r>
-              <a:rPr lang="en-IN" dirty="0" smtClean="0"/>
-              <a:t>case </a:t>
-            </a:r>
-            <a:r>
-              <a:rPr lang="en-IN" dirty="0"/>
-              <a:t>2:            </a:t>
+          </a:p>
+          <a:p>
+            <a:pPr marL="0" indent="0">
+              <a:buNone/>
+            </a:pPr>
+            <a:r>
+              <a:rPr lang="en-IN" dirty="0"/>
+              <a:t>break;        </a:t>
+            </a:r>
+          </a:p>
+          <a:p>
+            <a:pPr marL="0" indent="0">
+              <a:buNone/>
+            </a:pPr>
+            <a:r>
+              <a:rPr lang="en-IN" dirty="0"/>
+              <a:t>case 2:            </a:t>
             </a:r>
             <a:r>
               <a:rPr lang="en-IN" dirty="0" err="1"/>
@@ -7264,33 +6828,23 @@
               <a:rPr lang="en-IN" dirty="0"/>
               <a:t>();            </a:t>
             </a:r>
-            <a:endParaRPr lang="en-IN" dirty="0" smtClean="0"/>
-          </a:p>
-          <a:p>
-            <a:pPr marL="0" indent="0">
-              <a:buNone/>
-            </a:pPr>
-            <a:r>
-              <a:rPr lang="en-IN" dirty="0" smtClean="0"/>
-              <a:t>break</a:t>
-            </a:r>
-            <a:r>
-              <a:rPr lang="en-IN" dirty="0"/>
-              <a:t>;        </a:t>
-            </a:r>
-            <a:endParaRPr lang="en-IN" dirty="0" smtClean="0"/>
-          </a:p>
-          <a:p>
-            <a:pPr marL="0" indent="0">
-              <a:buNone/>
-            </a:pPr>
-            <a:r>
-              <a:rPr lang="en-IN" dirty="0" smtClean="0"/>
-              <a:t>case </a:t>
-            </a:r>
-            <a:r>
-              <a:rPr lang="en-IN" dirty="0"/>
-              <a:t>3:            </a:t>
+          </a:p>
+          <a:p>
+            <a:pPr marL="0" indent="0">
+              <a:buNone/>
+            </a:pPr>
+            <a:r>
+              <a:rPr lang="en-IN" dirty="0"/>
+              <a:t>break;        </a:t>
+            </a:r>
+          </a:p>
+          <a:p>
+            <a:pPr marL="0" indent="0">
+              <a:buNone/>
+            </a:pPr>
+            <a:r>
+              <a:rPr lang="en-IN" dirty="0"/>
+              <a:t>case 3:            </a:t>
             </a:r>
             <a:r>
               <a:rPr lang="en-IN" dirty="0" err="1"/>
@@ -7300,21 +6854,15 @@
               <a:rPr lang="en-IN" dirty="0"/>
               <a:t>();            </a:t>
             </a:r>
-            <a:endParaRPr lang="en-IN" dirty="0" smtClean="0"/>
-          </a:p>
-          <a:p>
-            <a:pPr marL="0" indent="0">
-              <a:buNone/>
-            </a:pPr>
-            <a:r>
-              <a:rPr lang="en-IN" dirty="0" smtClean="0"/>
-              <a:t>break</a:t>
-            </a:r>
-            <a:r>
-              <a:rPr lang="en-IN" dirty="0"/>
-              <a:t>;        </a:t>
-            </a:r>
-            <a:endParaRPr lang="en-IN" dirty="0" smtClean="0"/>
+          </a:p>
+          <a:p>
+            <a:pPr marL="0" indent="0">
+              <a:buNone/>
+            </a:pPr>
+            <a:r>
+              <a:rPr lang="en-IN" dirty="0"/>
+              <a:t>break;        </a:t>
+            </a:r>
           </a:p>
         </p:txBody>
       </p:sp>
@@ -7364,7 +6912,7 @@
           <a:lstStyle/>
           <a:p>
             <a:r>
-              <a:rPr lang="en-US" dirty="0" smtClean="0"/>
+              <a:rPr lang="en-US" dirty="0"/>
               <a:t>code</a:t>
             </a:r>
             <a:endParaRPr lang="en-IN" dirty="0"/>
@@ -7417,19 +6965,14 @@
               <a:rPr lang="en-IN" dirty="0"/>
               <a:t> break;        </a:t>
             </a:r>
-            <a:endParaRPr lang="en-IN" dirty="0" smtClean="0"/>
-          </a:p>
-          <a:p>
-            <a:pPr marL="0" indent="0">
-              <a:buNone/>
-            </a:pPr>
-            <a:r>
-              <a:rPr lang="en-IN" dirty="0" smtClean="0"/>
-              <a:t>case </a:t>
-            </a:r>
-            <a:r>
-              <a:rPr lang="en-IN" dirty="0"/>
-              <a:t>5:            </a:t>
+          </a:p>
+          <a:p>
+            <a:pPr marL="0" indent="0">
+              <a:buNone/>
+            </a:pPr>
+            <a:r>
+              <a:rPr lang="en-IN" dirty="0"/>
+              <a:t>case 5:            </a:t>
             </a:r>
             <a:r>
               <a:rPr lang="en-IN" dirty="0" err="1"/>
@@ -7439,33 +6982,23 @@
               <a:rPr lang="en-IN" dirty="0"/>
               <a:t>();            </a:t>
             </a:r>
-            <a:endParaRPr lang="en-IN" dirty="0" smtClean="0"/>
-          </a:p>
-          <a:p>
-            <a:pPr marL="0" indent="0">
-              <a:buNone/>
-            </a:pPr>
-            <a:r>
-              <a:rPr lang="en-IN" dirty="0" smtClean="0"/>
-              <a:t>break</a:t>
-            </a:r>
-            <a:r>
-              <a:rPr lang="en-IN" dirty="0"/>
-              <a:t>;        </a:t>
-            </a:r>
-            <a:endParaRPr lang="en-IN" dirty="0" smtClean="0"/>
-          </a:p>
-          <a:p>
-            <a:pPr marL="0" indent="0">
-              <a:buNone/>
-            </a:pPr>
-            <a:r>
-              <a:rPr lang="en-IN" dirty="0" smtClean="0"/>
-              <a:t>case </a:t>
-            </a:r>
-            <a:r>
-              <a:rPr lang="en-IN" dirty="0"/>
-              <a:t>6:            </a:t>
+          </a:p>
+          <a:p>
+            <a:pPr marL="0" indent="0">
+              <a:buNone/>
+            </a:pPr>
+            <a:r>
+              <a:rPr lang="en-IN" dirty="0"/>
+              <a:t>break;        </a:t>
+            </a:r>
+          </a:p>
+          <a:p>
+            <a:pPr marL="0" indent="0">
+              <a:buNone/>
+            </a:pPr>
+            <a:r>
+              <a:rPr lang="en-IN" dirty="0"/>
+              <a:t>case 6:            </a:t>
             </a:r>
             <a:r>
               <a:rPr lang="en-IN" dirty="0" err="1"/>
@@ -7475,33 +7008,23 @@
               <a:rPr lang="en-IN" dirty="0"/>
               <a:t>();            </a:t>
             </a:r>
-            <a:endParaRPr lang="en-IN" dirty="0" smtClean="0"/>
-          </a:p>
-          <a:p>
-            <a:pPr marL="0" indent="0">
-              <a:buNone/>
-            </a:pPr>
-            <a:r>
-              <a:rPr lang="en-IN" dirty="0" smtClean="0"/>
-              <a:t>break</a:t>
-            </a:r>
-            <a:r>
-              <a:rPr lang="en-IN" dirty="0"/>
-              <a:t>;        </a:t>
-            </a:r>
-            <a:endParaRPr lang="en-IN" dirty="0" smtClean="0"/>
-          </a:p>
-          <a:p>
-            <a:pPr marL="0" indent="0">
-              <a:buNone/>
-            </a:pPr>
-            <a:r>
-              <a:rPr lang="en-IN" dirty="0" smtClean="0"/>
-              <a:t>default</a:t>
-            </a:r>
-            <a:r>
-              <a:rPr lang="en-IN" dirty="0"/>
-              <a:t>:            </a:t>
+          </a:p>
+          <a:p>
+            <a:pPr marL="0" indent="0">
+              <a:buNone/>
+            </a:pPr>
+            <a:r>
+              <a:rPr lang="en-IN" dirty="0"/>
+              <a:t>break;        </a:t>
+            </a:r>
+          </a:p>
+          <a:p>
+            <a:pPr marL="0" indent="0">
+              <a:buNone/>
+            </a:pPr>
+            <a:r>
+              <a:rPr lang="en-IN" dirty="0"/>
+              <a:t>default:            </a:t>
             </a:r>
             <a:r>
               <a:rPr lang="en-IN" dirty="0" err="1"/>
@@ -7511,14 +7034,13 @@
               <a:rPr lang="en-IN" dirty="0"/>
               <a:t> &lt;&lt; "Invalid choice\n";    </a:t>
             </a:r>
-            <a:endParaRPr lang="en-IN" dirty="0" smtClean="0"/>
-          </a:p>
-          <a:p>
-            <a:pPr marL="0" indent="0">
-              <a:buNone/>
-            </a:pPr>
-            <a:r>
-              <a:rPr lang="en-IN" dirty="0" smtClean="0"/>
+          </a:p>
+          <a:p>
+            <a:pPr marL="0" indent="0">
+              <a:buNone/>
+            </a:pPr>
+            <a:r>
+              <a:rPr lang="en-IN" dirty="0"/>
               <a:t>}    </a:t>
             </a:r>
           </a:p>
@@ -7527,27 +7049,18 @@
               <a:buNone/>
             </a:pPr>
             <a:r>
-              <a:rPr lang="en-IN" dirty="0" smtClean="0"/>
-              <a:t>return </a:t>
-            </a:r>
-            <a:r>
-              <a:rPr lang="en-IN" dirty="0"/>
-              <a:t>0</a:t>
-            </a:r>
-            <a:r>
-              <a:rPr lang="en-IN" dirty="0" smtClean="0"/>
-              <a:t>;</a:t>
-            </a:r>
-          </a:p>
-          <a:p>
-            <a:pPr marL="0" indent="0">
-              <a:buNone/>
-            </a:pPr>
-            <a:r>
-              <a:rPr lang="en-IN" dirty="0" smtClean="0"/>
+              <a:rPr lang="en-IN" dirty="0"/>
+              <a:t>return 0;</a:t>
+            </a:r>
+          </a:p>
+          <a:p>
+            <a:pPr marL="0" indent="0">
+              <a:buNone/>
+            </a:pPr>
+            <a:r>
+              <a:rPr lang="en-IN" dirty="0"/>
               <a:t>}</a:t>
             </a:r>
-            <a:endParaRPr lang="en-IN" dirty="0"/>
           </a:p>
         </p:txBody>
       </p:sp>
@@ -7885,7 +7398,6 @@
               <a:rPr lang="en-IN" dirty="0"/>
               <a:t>Final Thoughts:</a:t>
             </a:r>
-            <a:endParaRPr lang="en-IN" dirty="0"/>
           </a:p>
         </p:txBody>
       </p:sp>
@@ -7907,12 +7419,8 @@
           <a:lstStyle/>
           <a:p>
             <a:r>
-              <a:rPr lang="en-IN" dirty="0" smtClean="0"/>
-              <a:t>In </a:t>
-            </a:r>
-            <a:r>
-              <a:rPr lang="en-IN" dirty="0"/>
-              <a:t>conclusion, the Art Gallery Management System developed for this project represents a step towards modernizing gallery operations and improving the overall art gallery experience. Its user-friendly interface and essential features have laid a foundation for further growth and innovation.</a:t>
+              <a:rPr lang="en-IN" dirty="0"/>
+              <a:t>In conclusion, the Art Gallery Management System developed for this project represents a step towards modernizing gallery operations and improving the overall art gallery experience. Its user-friendly interface and essential features have laid a foundation for further growth and innovation.</a:t>
             </a:r>
           </a:p>
           <a:p>
@@ -7932,7 +7440,6 @@
               <a:rPr lang="en-IN" dirty="0"/>
               <a:t>As the art world continues to evolve, we look forward to the system's continued success in supporting galleries, artists, and art enthusiasts alike.</a:t>
             </a:r>
-            <a:endParaRPr lang="en-IN" dirty="0"/>
           </a:p>
         </p:txBody>
       </p:sp>
@@ -7984,7 +7491,7 @@
           <a:lstStyle/>
           <a:p>
             <a:r>
-              <a:rPr lang="en-US" sz="800" dirty="0" smtClean="0"/>
+              <a:rPr lang="en-US" sz="800" dirty="0"/>
               <a:t>.</a:t>
             </a:r>
             <a:endParaRPr lang="en-IN" sz="800" dirty="0"/>
@@ -8009,7 +7516,7 @@
           <a:lstStyle/>
           <a:p>
             <a:r>
-              <a:rPr lang="en-US" sz="9600" dirty="0" smtClean="0"/>
+              <a:rPr lang="en-US" sz="9600" dirty="0"/>
               <a:t>THANK YOU</a:t>
             </a:r>
             <a:endParaRPr lang="en-IN" sz="9600" dirty="0"/>
@@ -8179,10 +7686,6 @@
               </a:rPr>
               <a:t>•	AGMS maintains a database of customers and their interactions with the gallery. It tracks customer preferences, purchase history, and contact information, facilitating personalized communication and targeted marketing efforts.</a:t>
             </a:r>
-            <a:endParaRPr lang="en-IN" sz="1100" dirty="0">
-              <a:latin typeface="Times New Roman" panose="02020603050405020304" pitchFamily="18" charset="0"/>
-              <a:cs typeface="Times New Roman" panose="02020603050405020304" pitchFamily="18" charset="0"/>
-            </a:endParaRPr>
           </a:p>
         </p:txBody>
       </p:sp>
@@ -8226,34 +7729,44 @@
             <p:ph type="title"/>
           </p:nvPr>
         </p:nvSpPr>
-        <p:spPr/>
-        <p:txBody>
-          <a:bodyPr/>
-          <a:lstStyle/>
-          <a:p>
-            <a:endParaRPr lang="en-IN"/>
-          </a:p>
-        </p:txBody>
-      </p:sp>
-      <p:sp>
-        <p:nvSpPr>
-          <p:cNvPr id="3" name="Content Placeholder 2"/>
-          <p:cNvSpPr>
-            <a:spLocks noGrp="1"/>
-          </p:cNvSpPr>
-          <p:nvPr>
-            <p:ph idx="1"/>
-          </p:nvPr>
-        </p:nvSpPr>
         <p:spPr>
           <a:xfrm>
-            <a:off x="1451579" y="2015732"/>
-            <a:ext cx="9603275" cy="4042168"/>
+            <a:off x="1451580" y="0"/>
+            <a:ext cx="4940255" cy="242047"/>
           </a:xfrm>
         </p:spPr>
         <p:txBody>
           <a:bodyPr>
-            <a:normAutofit fontScale="77500" lnSpcReduction="20000"/>
+            <a:normAutofit fontScale="90000"/>
+          </a:bodyPr>
+          <a:lstStyle/>
+          <a:p>
+            <a:r>
+              <a:rPr lang="en-IN" dirty="0"/>
+              <a:t>.</a:t>
+            </a:r>
+          </a:p>
+        </p:txBody>
+      </p:sp>
+      <p:sp>
+        <p:nvSpPr>
+          <p:cNvPr id="3" name="Content Placeholder 2"/>
+          <p:cNvSpPr>
+            <a:spLocks noGrp="1"/>
+          </p:cNvSpPr>
+          <p:nvPr>
+            <p:ph idx="1"/>
+          </p:nvPr>
+        </p:nvSpPr>
+        <p:spPr>
+          <a:xfrm>
+            <a:off x="1451580" y="349624"/>
+            <a:ext cx="9603274" cy="5708276"/>
+          </a:xfrm>
+        </p:spPr>
+        <p:txBody>
+          <a:bodyPr>
+            <a:normAutofit/>
           </a:bodyPr>
           <a:lstStyle/>
           <a:p>
@@ -8321,7 +7834,6 @@
               <a:rPr lang="en-IN" sz="1200" dirty="0"/>
               <a:t>In essence, an Art Gallery Management System serves as a centralized platform that optimizes and automates various aspects of gallery operations, fostering a more organized, efficient, and data-driven approach to art curation, sales, and customer engagement. It empowers galleries to focus on their core mission of promoting and showcasing art while leveraging technology to enhance overall management and business processes.</a:t>
             </a:r>
-            <a:endParaRPr lang="en-IN" sz="1200" dirty="0"/>
           </a:p>
         </p:txBody>
       </p:sp>
@@ -8467,13 +7979,8 @@
           <a:p>
             <a:r>
               <a:rPr lang="en-IN" dirty="0"/>
-              <a:t>•	Source: Ensures that sales are recorded accurately and in chronological order</a:t>
-            </a:r>
-            <a:r>
-              <a:rPr lang="en-IN" dirty="0" smtClean="0"/>
-              <a:t>.</a:t>
-            </a:r>
-            <a:endParaRPr lang="en-IN" dirty="0"/>
+              <a:t>•	Source: Ensures that sales are recorded accurately and in chronological order.</a:t>
+            </a:r>
           </a:p>
         </p:txBody>
       </p:sp>
@@ -8517,39 +8024,49 @@
             <p:ph type="title"/>
           </p:nvPr>
         </p:nvSpPr>
-        <p:spPr/>
-        <p:txBody>
-          <a:bodyPr/>
-          <a:lstStyle/>
-          <a:p>
-            <a:endParaRPr lang="en-IN"/>
-          </a:p>
-        </p:txBody>
-      </p:sp>
-      <p:sp>
-        <p:nvSpPr>
-          <p:cNvPr id="3" name="Content Placeholder 2"/>
-          <p:cNvSpPr>
-            <a:spLocks noGrp="1"/>
-          </p:cNvSpPr>
-          <p:nvPr>
-            <p:ph idx="1"/>
-          </p:nvPr>
-        </p:nvSpPr>
         <p:spPr>
           <a:xfrm>
-            <a:off x="1451579" y="2015732"/>
-            <a:ext cx="9603275" cy="4165260"/>
+            <a:off x="1451580" y="125506"/>
+            <a:ext cx="8947480" cy="107576"/>
           </a:xfrm>
         </p:spPr>
         <p:txBody>
           <a:bodyPr>
-            <a:normAutofit fontScale="55000" lnSpcReduction="20000"/>
+            <a:normAutofit fontScale="90000"/>
           </a:bodyPr>
           <a:lstStyle/>
           <a:p>
             <a:r>
               <a:rPr lang="en-IN" dirty="0"/>
+              <a:t>.</a:t>
+            </a:r>
+          </a:p>
+        </p:txBody>
+      </p:sp>
+      <p:sp>
+        <p:nvSpPr>
+          <p:cNvPr id="3" name="Content Placeholder 2"/>
+          <p:cNvSpPr>
+            <a:spLocks noGrp="1"/>
+          </p:cNvSpPr>
+          <p:nvPr>
+            <p:ph idx="1"/>
+          </p:nvPr>
+        </p:nvSpPr>
+        <p:spPr>
+          <a:xfrm>
+            <a:off x="1451580" y="233082"/>
+            <a:ext cx="9603274" cy="5947910"/>
+          </a:xfrm>
+        </p:spPr>
+        <p:txBody>
+          <a:bodyPr>
+            <a:normAutofit fontScale="85000" lnSpcReduction="20000"/>
+          </a:bodyPr>
+          <a:lstStyle/>
+          <a:p>
+            <a:r>
+              <a:rPr lang="en-IN" dirty="0"/>
               <a:t>5.	Artwork Availability Rule:</a:t>
             </a:r>
           </a:p>
@@ -8624,7 +8141,6 @@
               <a:rPr lang="en-IN" dirty="0"/>
               <a:t>These business rules are critical for data integrity, accuracy, and overall system functionality. They are derived from common business practices, legal requirements, or specific constraints that apply to the domain of an art gallery. The sources of these rules may include industry standards, legal regulations, organizational policies, and best practices in database management</a:t>
             </a:r>
-            <a:endParaRPr lang="en-IN" dirty="0"/>
           </a:p>
         </p:txBody>
       </p:sp>
@@ -8674,7 +8190,7 @@
           <a:lstStyle/>
           <a:p>
             <a:r>
-              <a:rPr lang="en-US" dirty="0" smtClean="0"/>
+              <a:rPr lang="en-US" dirty="0"/>
               <a:t>Code</a:t>
             </a:r>
             <a:endParaRPr lang="en-IN" dirty="0"/>
@@ -8707,74 +8223,38 @@
               <a:t>iostream</a:t>
             </a:r>
             <a:r>
-              <a:rPr lang="en-IN" dirty="0" smtClean="0"/>
+              <a:rPr lang="en-IN" dirty="0"/>
               <a:t>&gt;</a:t>
             </a:r>
           </a:p>
           <a:p>
             <a:r>
-              <a:rPr lang="en-IN" dirty="0" smtClean="0"/>
-              <a:t>#</a:t>
-            </a:r>
-            <a:r>
-              <a:rPr lang="en-IN" dirty="0"/>
-              <a:t>include &lt;list</a:t>
-            </a:r>
-            <a:r>
-              <a:rPr lang="en-IN" dirty="0" smtClean="0"/>
-              <a:t>&gt;</a:t>
-            </a:r>
-          </a:p>
-          <a:p>
-            <a:r>
-              <a:rPr lang="en-IN" dirty="0" smtClean="0"/>
-              <a:t>#</a:t>
-            </a:r>
-            <a:r>
-              <a:rPr lang="en-IN" dirty="0"/>
-              <a:t>include &lt;vector</a:t>
-            </a:r>
-            <a:r>
-              <a:rPr lang="en-IN" dirty="0" smtClean="0"/>
-              <a:t>&gt;</a:t>
-            </a:r>
-          </a:p>
-          <a:p>
-            <a:r>
-              <a:rPr lang="en-IN" dirty="0" smtClean="0"/>
-              <a:t>#</a:t>
-            </a:r>
-            <a:r>
-              <a:rPr lang="en-IN" dirty="0"/>
-              <a:t>include &lt;stack</a:t>
-            </a:r>
-            <a:r>
-              <a:rPr lang="en-IN" dirty="0" smtClean="0"/>
-              <a:t>&gt;</a:t>
-            </a:r>
-          </a:p>
-          <a:p>
-            <a:r>
-              <a:rPr lang="en-IN" dirty="0" smtClean="0"/>
-              <a:t>#</a:t>
-            </a:r>
-            <a:r>
-              <a:rPr lang="en-IN" dirty="0"/>
-              <a:t>include &lt;queue</a:t>
-            </a:r>
-            <a:r>
-              <a:rPr lang="en-IN" dirty="0" smtClean="0"/>
-              <a:t>&gt;</a:t>
-            </a:r>
-          </a:p>
-          <a:p>
-            <a:r>
-              <a:rPr lang="en-IN" dirty="0" smtClean="0"/>
-              <a:t>using </a:t>
-            </a:r>
-            <a:r>
-              <a:rPr lang="en-IN" dirty="0"/>
-              <a:t>namespace </a:t>
+              <a:rPr lang="en-IN" dirty="0"/>
+              <a:t>#include &lt;list&gt;</a:t>
+            </a:r>
+          </a:p>
+          <a:p>
+            <a:r>
+              <a:rPr lang="en-IN" dirty="0"/>
+              <a:t>#include &lt;vector&gt;</a:t>
+            </a:r>
+          </a:p>
+          <a:p>
+            <a:r>
+              <a:rPr lang="en-IN" dirty="0"/>
+              <a:t>#include &lt;stack&gt;</a:t>
+            </a:r>
+          </a:p>
+          <a:p>
+            <a:r>
+              <a:rPr lang="en-IN" dirty="0"/>
+              <a:t>#include &lt;queue&gt;</a:t>
+            </a:r>
+          </a:p>
+          <a:p>
+            <a:r>
+              <a:rPr lang="en-IN" dirty="0"/>
+              <a:t>using namespace </a:t>
             </a:r>
             <a:r>
               <a:rPr lang="en-IN" dirty="0" err="1"/>
@@ -8789,27 +8269,22 @@
               <a:t>handleList</a:t>
             </a:r>
             <a:r>
-              <a:rPr lang="en-IN" dirty="0" smtClean="0"/>
+              <a:rPr lang="en-IN" dirty="0"/>
               <a:t>()</a:t>
             </a:r>
           </a:p>
           <a:p>
             <a:r>
-              <a:rPr lang="en-IN" dirty="0" smtClean="0"/>
+              <a:rPr lang="en-IN" dirty="0"/>
+              <a:t> {   </a:t>
+            </a:r>
+          </a:p>
+          <a:p>
+            <a:r>
+              <a:rPr lang="en-IN" dirty="0"/>
               <a:t> </a:t>
             </a:r>
             <a:r>
-              <a:rPr lang="en-IN" dirty="0"/>
-              <a:t>{   </a:t>
-            </a:r>
-            <a:endParaRPr lang="en-IN" dirty="0" smtClean="0"/>
-          </a:p>
-          <a:p>
-            <a:r>
-              <a:rPr lang="en-IN" dirty="0" smtClean="0"/>
-              <a:t> </a:t>
-            </a:r>
-            <a:r>
               <a:rPr lang="en-IN" dirty="0" err="1"/>
               <a:t>int</a:t>
             </a:r>
@@ -8825,7 +8300,6 @@
               <a:rPr lang="en-IN" dirty="0"/>
               <a:t>;   </a:t>
             </a:r>
-            <a:endParaRPr lang="en-IN" dirty="0" smtClean="0"/>
           </a:p>
           <a:p>
             <a:endParaRPr lang="en-IN" dirty="0"/>
@@ -8878,7 +8352,7 @@
           <a:lstStyle/>
           <a:p>
             <a:r>
-              <a:rPr lang="en-US" dirty="0" smtClean="0"/>
+              <a:rPr lang="en-US" dirty="0"/>
               <a:t>CODE</a:t>
             </a:r>
             <a:endParaRPr lang="en-IN" dirty="0"/>
@@ -8910,116 +8384,125 @@
               <a:rPr lang="en-IN" dirty="0"/>
               <a:t> &lt;&lt; "Enter the size of the list: ";    </a:t>
             </a:r>
-            <a:endParaRPr lang="en-IN" dirty="0" smtClean="0"/>
-          </a:p>
-          <a:p>
-            <a:r>
-              <a:rPr lang="en-IN" dirty="0" err="1" smtClean="0"/>
+          </a:p>
+          <a:p>
+            <a:r>
+              <a:rPr lang="en-IN" dirty="0" err="1"/>
               <a:t>cin</a:t>
             </a:r>
             <a:r>
-              <a:rPr lang="en-IN" dirty="0" smtClean="0"/>
+              <a:rPr lang="en-IN" dirty="0"/>
+              <a:t> &gt;&gt; size;    </a:t>
+            </a:r>
+          </a:p>
+          <a:p>
+            <a:r>
+              <a:rPr lang="en-IN" dirty="0"/>
+              <a:t>list&lt;</a:t>
+            </a:r>
+            <a:r>
+              <a:rPr lang="en-IN" dirty="0" err="1"/>
+              <a:t>int</a:t>
+            </a:r>
+            <a:r>
+              <a:rPr lang="en-IN" dirty="0"/>
+              <a:t>&gt; </a:t>
+            </a:r>
+            <a:r>
+              <a:rPr lang="en-IN" dirty="0" err="1"/>
+              <a:t>myList</a:t>
+            </a:r>
+            <a:r>
+              <a:rPr lang="en-IN" dirty="0"/>
+              <a:t>;   </a:t>
+            </a:r>
+          </a:p>
+          <a:p>
+            <a:r>
+              <a:rPr lang="en-IN" dirty="0"/>
               <a:t> </a:t>
             </a:r>
             <a:r>
-              <a:rPr lang="en-IN" dirty="0"/>
-              <a:t>&gt;&gt; size;    </a:t>
-            </a:r>
-            <a:endParaRPr lang="en-IN" dirty="0" smtClean="0"/>
-          </a:p>
-          <a:p>
-            <a:r>
-              <a:rPr lang="en-IN" dirty="0" smtClean="0"/>
-              <a:t>list&lt;</a:t>
-            </a:r>
-            <a:r>
-              <a:rPr lang="en-IN" dirty="0" err="1" smtClean="0"/>
+              <a:rPr lang="en-IN" dirty="0" err="1"/>
+              <a:t>cout</a:t>
+            </a:r>
+            <a:r>
+              <a:rPr lang="en-IN" dirty="0"/>
+              <a:t> &lt;&lt; "Enter " &lt;&lt; size &lt;&lt; " integers for the list:\n";   </a:t>
+            </a:r>
+          </a:p>
+          <a:p>
+            <a:r>
+              <a:rPr lang="en-IN" dirty="0"/>
+              <a:t> for (</a:t>
+            </a:r>
+            <a:r>
+              <a:rPr lang="en-IN" dirty="0" err="1"/>
               <a:t>int</a:t>
             </a:r>
             <a:r>
               <a:rPr lang="en-IN" dirty="0"/>
-              <a:t>&gt; </a:t>
-            </a:r>
-            <a:r>
-              <a:rPr lang="en-IN" dirty="0" err="1"/>
-              <a:t>myList</a:t>
-            </a:r>
-            <a:r>
-              <a:rPr lang="en-IN" dirty="0"/>
-              <a:t>;   </a:t>
-            </a:r>
-            <a:endParaRPr lang="en-IN" dirty="0" smtClean="0"/>
-          </a:p>
-          <a:p>
-            <a:r>
-              <a:rPr lang="en-IN" dirty="0" smtClean="0"/>
               <a:t> </a:t>
             </a:r>
             <a:r>
               <a:rPr lang="en-IN" dirty="0" err="1"/>
-              <a:t>cout</a:t>
-            </a:r>
-            <a:r>
-              <a:rPr lang="en-IN" dirty="0"/>
-              <a:t> &lt;&lt; "Enter " &lt;&lt; size &lt;&lt; " integers for the list:\n";   </a:t>
-            </a:r>
-            <a:endParaRPr lang="en-IN" dirty="0" smtClean="0"/>
-          </a:p>
-          <a:p>
-            <a:r>
-              <a:rPr lang="en-IN" dirty="0" smtClean="0"/>
+              <a:t>i</a:t>
+            </a:r>
+            <a:r>
+              <a:rPr lang="en-IN" dirty="0"/>
+              <a:t> = 0; </a:t>
+            </a:r>
+            <a:r>
+              <a:rPr lang="en-IN" dirty="0" err="1"/>
+              <a:t>i</a:t>
+            </a:r>
+            <a:r>
+              <a:rPr lang="en-IN" dirty="0"/>
+              <a:t> &lt; size; ++</a:t>
+            </a:r>
+            <a:r>
+              <a:rPr lang="en-IN" dirty="0" err="1"/>
+              <a:t>i</a:t>
+            </a:r>
+            <a:r>
+              <a:rPr lang="en-IN" dirty="0"/>
+              <a:t>) {       </a:t>
+            </a:r>
+          </a:p>
+          <a:p>
+            <a:r>
+              <a:rPr lang="en-IN" dirty="0"/>
               <a:t> </a:t>
             </a:r>
             <a:r>
-              <a:rPr lang="en-IN" dirty="0"/>
-              <a:t>for (</a:t>
-            </a:r>
-            <a:r>
-              <a:rPr lang="en-IN" dirty="0" err="1"/>
-              <a:t>int</a:t>
-            </a:r>
+              <a:rPr lang="en-IN" dirty="0" err="1"/>
+              <a:t>cin</a:t>
+            </a:r>
+            <a:r>
+              <a:rPr lang="en-IN" dirty="0"/>
+              <a:t> &gt;&gt; </a:t>
+            </a:r>
+            <a:r>
+              <a:rPr lang="en-IN" dirty="0" err="1"/>
+              <a:t>val</a:t>
+            </a:r>
+            <a:r>
+              <a:rPr lang="en-IN" dirty="0"/>
+              <a:t>;       </a:t>
+            </a:r>
+          </a:p>
+          <a:p>
             <a:r>
               <a:rPr lang="en-IN" dirty="0"/>
               <a:t> </a:t>
             </a:r>
             <a:r>
               <a:rPr lang="en-IN" dirty="0" err="1"/>
-              <a:t>i</a:t>
-            </a:r>
-            <a:r>
-              <a:rPr lang="en-IN" dirty="0"/>
-              <a:t> = 0; </a:t>
-            </a:r>
-            <a:r>
-              <a:rPr lang="en-IN" dirty="0" err="1"/>
-              <a:t>i</a:t>
-            </a:r>
-            <a:r>
-              <a:rPr lang="en-IN" dirty="0"/>
-              <a:t> &lt; size; ++</a:t>
-            </a:r>
-            <a:r>
-              <a:rPr lang="en-IN" dirty="0" err="1"/>
-              <a:t>i</a:t>
-            </a:r>
-            <a:r>
-              <a:rPr lang="en-IN" dirty="0"/>
-              <a:t>) {       </a:t>
-            </a:r>
-            <a:endParaRPr lang="en-IN" dirty="0" smtClean="0"/>
-          </a:p>
-          <a:p>
-            <a:r>
-              <a:rPr lang="en-IN" dirty="0" smtClean="0"/>
-              <a:t> </a:t>
-            </a:r>
-            <a:r>
-              <a:rPr lang="en-IN" dirty="0" err="1"/>
-              <a:t>cin</a:t>
-            </a:r>
-            <a:r>
-              <a:rPr lang="en-IN" dirty="0"/>
-              <a:t> &gt;&gt; </a:t>
+              <a:t>myList.push_back</a:t>
+            </a:r>
+            <a:r>
+              <a:rPr lang="en-IN" dirty="0"/>
+              <a:t>(</a:t>
             </a:r>
             <a:r>
               <a:rPr lang="en-IN" dirty="0" err="1"/>
@@ -9027,36 +8510,12 @@
             </a:r>
             <a:r>
               <a:rPr lang="en-IN" dirty="0"/>
-              <a:t>;       </a:t>
-            </a:r>
-            <a:endParaRPr lang="en-IN" dirty="0" smtClean="0"/>
-          </a:p>
-          <a:p>
-            <a:r>
-              <a:rPr lang="en-IN" dirty="0" smtClean="0"/>
-              <a:t> </a:t>
-            </a:r>
-            <a:r>
-              <a:rPr lang="en-IN" dirty="0" err="1"/>
-              <a:t>myList.push_back</a:t>
-            </a:r>
-            <a:r>
-              <a:rPr lang="en-IN" dirty="0"/>
-              <a:t>(</a:t>
-            </a:r>
-            <a:r>
-              <a:rPr lang="en-IN" dirty="0" err="1"/>
-              <a:t>val</a:t>
-            </a:r>
-            <a:r>
-              <a:rPr lang="en-IN" dirty="0"/>
               <a:t>);    </a:t>
             </a:r>
-            <a:endParaRPr lang="en-IN" dirty="0" smtClean="0"/>
-          </a:p>
-          <a:p>
-            <a:r>
-              <a:rPr lang="en-IN" dirty="0" smtClean="0"/>
+          </a:p>
+          <a:p>
+            <a:r>
+              <a:rPr lang="en-IN" dirty="0"/>
               <a:t>}    </a:t>
             </a:r>
           </a:p>
@@ -9136,16 +8595,11 @@
               <a:rPr lang="en-IN" dirty="0"/>
               <a:t> &lt;&lt; "List contents: ";    </a:t>
             </a:r>
-            <a:endParaRPr lang="en-IN" dirty="0" smtClean="0"/>
-          </a:p>
-          <a:p>
-            <a:r>
-              <a:rPr lang="en-IN" dirty="0" smtClean="0"/>
-              <a:t>for </a:t>
-            </a:r>
-            <a:r>
-              <a:rPr lang="en-IN" dirty="0"/>
-              <a:t>(</a:t>
+          </a:p>
+          <a:p>
+            <a:r>
+              <a:rPr lang="en-IN" dirty="0"/>
+              <a:t>for (</a:t>
             </a:r>
             <a:r>
               <a:rPr lang="en-IN" dirty="0" err="1"/>
@@ -9163,106 +8617,90 @@
               <a:rPr lang="en-IN" dirty="0"/>
               <a:t>) {        </a:t>
             </a:r>
-            <a:endParaRPr lang="en-IN" dirty="0" smtClean="0"/>
-          </a:p>
-          <a:p>
-            <a:r>
-              <a:rPr lang="en-IN" dirty="0" err="1" smtClean="0"/>
+          </a:p>
+          <a:p>
+            <a:r>
+              <a:rPr lang="en-IN" dirty="0" err="1"/>
               <a:t>cout</a:t>
             </a:r>
             <a:r>
-              <a:rPr lang="en-IN" dirty="0" smtClean="0"/>
+              <a:rPr lang="en-IN" dirty="0"/>
+              <a:t> &lt;&lt; x &lt;&lt; " ";    }    </a:t>
+            </a:r>
+          </a:p>
+          <a:p>
+            <a:r>
+              <a:rPr lang="en-IN" dirty="0" err="1"/>
+              <a:t>cout</a:t>
+            </a:r>
+            <a:r>
+              <a:rPr lang="en-IN" dirty="0"/>
+              <a:t> &lt;&lt; </a:t>
+            </a:r>
+            <a:r>
+              <a:rPr lang="en-IN" dirty="0" err="1"/>
+              <a:t>endl</a:t>
+            </a:r>
+            <a:r>
+              <a:rPr lang="en-IN" dirty="0"/>
+              <a:t>;}</a:t>
+            </a:r>
+          </a:p>
+          <a:p>
+            <a:r>
+              <a:rPr lang="en-IN" dirty="0"/>
+              <a:t>void </a:t>
+            </a:r>
+            <a:r>
+              <a:rPr lang="en-IN" dirty="0" err="1"/>
+              <a:t>handleLinkedList</a:t>
+            </a:r>
+            <a:r>
+              <a:rPr lang="en-IN" dirty="0"/>
+              <a:t>() </a:t>
+            </a:r>
+          </a:p>
+          <a:p>
+            <a:r>
+              <a:rPr lang="en-IN" dirty="0"/>
+              <a:t>{   </a:t>
+            </a:r>
+          </a:p>
+          <a:p>
+            <a:r>
+              <a:rPr lang="en-IN" dirty="0"/>
               <a:t> </a:t>
             </a:r>
             <a:r>
-              <a:rPr lang="en-IN" dirty="0"/>
-              <a:t>&lt;&lt; x &lt;&lt; " ";    }    </a:t>
-            </a:r>
-            <a:endParaRPr lang="en-IN" dirty="0" smtClean="0"/>
-          </a:p>
-          <a:p>
-            <a:r>
-              <a:rPr lang="en-IN" dirty="0" err="1" smtClean="0"/>
+              <a:rPr lang="en-IN" dirty="0" err="1"/>
+              <a:t>int</a:t>
+            </a:r>
+            <a:r>
+              <a:rPr lang="en-IN" dirty="0"/>
+              <a:t> size, </a:t>
+            </a:r>
+            <a:r>
+              <a:rPr lang="en-IN" dirty="0" err="1"/>
+              <a:t>val</a:t>
+            </a:r>
+            <a:r>
+              <a:rPr lang="en-IN" dirty="0"/>
+              <a:t>;</a:t>
+            </a:r>
+          </a:p>
+          <a:p>
+            <a:r>
+              <a:rPr lang="en-IN" dirty="0"/>
+              <a:t>  </a:t>
+            </a:r>
+            <a:r>
+              <a:rPr lang="en-IN" dirty="0" err="1"/>
               <a:t>cout</a:t>
             </a:r>
             <a:r>
-              <a:rPr lang="en-IN" dirty="0" smtClean="0"/>
-              <a:t> </a:t>
-            </a:r>
-            <a:r>
-              <a:rPr lang="en-IN" dirty="0"/>
-              <a:t>&lt;&lt; </a:t>
-            </a:r>
-            <a:r>
-              <a:rPr lang="en-IN" dirty="0" err="1"/>
-              <a:t>endl</a:t>
-            </a:r>
-            <a:r>
-              <a:rPr lang="en-IN" dirty="0" smtClean="0"/>
-              <a:t>;}</a:t>
-            </a:r>
-          </a:p>
-          <a:p>
-            <a:r>
-              <a:rPr lang="en-IN" dirty="0" smtClean="0"/>
-              <a:t>void </a:t>
-            </a:r>
-            <a:r>
-              <a:rPr lang="en-IN" dirty="0" err="1"/>
-              <a:t>handleLinkedList</a:t>
-            </a:r>
-            <a:r>
-              <a:rPr lang="en-IN" dirty="0"/>
-              <a:t>() </a:t>
-            </a:r>
-            <a:endParaRPr lang="en-IN" dirty="0" smtClean="0"/>
-          </a:p>
-          <a:p>
-            <a:r>
-              <a:rPr lang="en-IN" dirty="0" smtClean="0"/>
-              <a:t>{   </a:t>
-            </a:r>
-          </a:p>
-          <a:p>
-            <a:r>
-              <a:rPr lang="en-IN" dirty="0" smtClean="0"/>
-              <a:t> </a:t>
-            </a:r>
-            <a:r>
-              <a:rPr lang="en-IN" dirty="0" err="1"/>
-              <a:t>int</a:t>
-            </a:r>
-            <a:r>
-              <a:rPr lang="en-IN" dirty="0"/>
-              <a:t> size, </a:t>
-            </a:r>
-            <a:r>
-              <a:rPr lang="en-IN" dirty="0" err="1"/>
-              <a:t>val</a:t>
-            </a:r>
-            <a:r>
-              <a:rPr lang="en-IN" dirty="0" smtClean="0"/>
-              <a:t>;</a:t>
-            </a:r>
-          </a:p>
-          <a:p>
-            <a:r>
-              <a:rPr lang="en-IN" dirty="0" smtClean="0"/>
-              <a:t>  </a:t>
-            </a:r>
-            <a:r>
-              <a:rPr lang="en-IN" dirty="0" err="1" smtClean="0"/>
-              <a:t>cout</a:t>
-            </a:r>
-            <a:r>
-              <a:rPr lang="en-IN" dirty="0" smtClean="0"/>
-              <a:t> </a:t>
-            </a:r>
-            <a:r>
-              <a:rPr lang="en-IN" dirty="0"/>
-              <a:t>&lt;&lt; "Enter the size of the linked list: ";   </a:t>
-            </a:r>
-            <a:endParaRPr lang="en-IN" dirty="0" smtClean="0"/>
+              <a:rPr lang="en-IN" dirty="0"/>
+              <a:t> &lt;&lt; "Enter the size of the linked list: ";   </a:t>
+            </a:r>
           </a:p>
         </p:txBody>
       </p:sp>
